--- a/static/slides/w1-l1.pptx
+++ b/static/slides/w1-l1.pptx
@@ -2,21 +2,20 @@
 <file path=ppt/presentation.xml><?xml version="1.0" encoding="utf-8"?>
 <p:presentation xmlns:a="http://schemas.openxmlformats.org/drawingml/2006/main" xmlns:r="http://schemas.openxmlformats.org/officeDocument/2006/relationships" xmlns:p="http://schemas.openxmlformats.org/presentationml/2006/main">
   <p:sldMasterIdLst>
-    <p:sldMasterId id="2147483648" r:id="rId1"/>
-    <p:sldMasterId id="2147483661" r:id="rId2"/>
+    <p:sldMasterId id="2147483648" r:id="rId4"/>
+    <p:sldMasterId id="2147483661" r:id="rId5"/>
   </p:sldMasterIdLst>
   <p:sldIdLst>
-    <p:sldId id="256" r:id="rId3"/>
-    <p:sldId id="257" r:id="rId4"/>
-    <p:sldId id="258" r:id="rId5"/>
-    <p:sldId id="259" r:id="rId6"/>
-    <p:sldId id="260" r:id="rId7"/>
-    <p:sldId id="261" r:id="rId8"/>
-    <p:sldId id="262" r:id="rId9"/>
-    <p:sldId id="263" r:id="rId10"/>
-    <p:sldId id="264" r:id="rId11"/>
-    <p:sldId id="265" r:id="rId12"/>
-    <p:sldId id="266" r:id="rId13"/>
+    <p:sldId id="256" r:id="rId6"/>
+    <p:sldId id="257" r:id="rId7"/>
+    <p:sldId id="258" r:id="rId8"/>
+    <p:sldId id="260" r:id="rId9"/>
+    <p:sldId id="261" r:id="rId10"/>
+    <p:sldId id="262" r:id="rId11"/>
+    <p:sldId id="263" r:id="rId12"/>
+    <p:sldId id="264" r:id="rId13"/>
+    <p:sldId id="265" r:id="rId14"/>
+    <p:sldId id="266" r:id="rId15"/>
   </p:sldIdLst>
   <p:sldSz cx="10080625" cy="5670550"/>
   <p:notesSz cx="7772400" cy="10058400"/>
@@ -121,6 +120,182 @@
     </p:ext>
   </p:extLst>
 </p:presentation>
+</file>
+
+<file path=ppt/revisionInfo.xml><?xml version="1.0" encoding="utf-8"?>
+<p1510:revInfo xmlns:a="http://schemas.openxmlformats.org/drawingml/2006/main" xmlns:r="http://schemas.openxmlformats.org/officeDocument/2006/relationships" xmlns:p1510="http://schemas.microsoft.com/office/powerpoint/2015/10/main">
+  <p1510:revLst>
+    <p1510:client id="{8048F350-23C3-42FE-9B34-AB1A2945B383}" v="88" dt="2024-01-02T20:26:09.664"/>
+    <p1510:client id="{B8241CEF-0201-475D-9557-4E65346B035B}" v="8" dt="2024-01-02T20:45:01.911"/>
+  </p1510:revLst>
+</p1510:revInfo>
+</file>
+
+<file path=ppt/changesInfos/changesInfo1.xml><?xml version="1.0" encoding="utf-8"?>
+<pc:chgInfo xmlns:a="http://schemas.openxmlformats.org/drawingml/2006/main" xmlns:r="http://schemas.openxmlformats.org/officeDocument/2006/relationships" xmlns:ac="http://schemas.microsoft.com/office/drawing/2013/main/command" xmlns:pc="http://schemas.microsoft.com/office/powerpoint/2013/main/command">
+  <pc:docChgLst>
+    <pc:chgData name="Jason Carman" userId="S::jason.carman@senecapolytechnic.ca::1f74b0c8-6da4-4004-8dc4-296d09d1a81f" providerId="AD" clId="Web-{B8241CEF-0201-475D-9557-4E65346B035B}"/>
+    <pc:docChg chg="modSld">
+      <pc:chgData name="Jason Carman" userId="S::jason.carman@senecapolytechnic.ca::1f74b0c8-6da4-4004-8dc4-296d09d1a81f" providerId="AD" clId="Web-{B8241CEF-0201-475D-9557-4E65346B035B}" dt="2024-01-02T20:45:01.911" v="7" actId="20577"/>
+      <pc:docMkLst>
+        <pc:docMk/>
+      </pc:docMkLst>
+      <pc:sldChg chg="modSp">
+        <pc:chgData name="Jason Carman" userId="S::jason.carman@senecapolytechnic.ca::1f74b0c8-6da4-4004-8dc4-296d09d1a81f" providerId="AD" clId="Web-{B8241CEF-0201-475D-9557-4E65346B035B}" dt="2024-01-02T20:45:01.911" v="7" actId="20577"/>
+        <pc:sldMkLst>
+          <pc:docMk/>
+          <pc:sldMk cId="0" sldId="258"/>
+        </pc:sldMkLst>
+        <pc:spChg chg="mod">
+          <ac:chgData name="Jason Carman" userId="S::jason.carman@senecapolytechnic.ca::1f74b0c8-6da4-4004-8dc4-296d09d1a81f" providerId="AD" clId="Web-{B8241CEF-0201-475D-9557-4E65346B035B}" dt="2024-01-02T20:45:01.911" v="7" actId="20577"/>
+          <ac:spMkLst>
+            <pc:docMk/>
+            <pc:sldMk cId="0" sldId="258"/>
+            <ac:spMk id="84" creationId="{00000000-0000-0000-0000-000000000000}"/>
+          </ac:spMkLst>
+        </pc:spChg>
+      </pc:sldChg>
+    </pc:docChg>
+  </pc:docChgLst>
+  <pc:docChgLst>
+    <pc:chgData name="Jason Carman" userId="S::jason.carman@senecapolytechnic.ca::1f74b0c8-6da4-4004-8dc4-296d09d1a81f" providerId="AD" clId="Web-{8048F350-23C3-42FE-9B34-AB1A2945B383}"/>
+    <pc:docChg chg="delSld modSld">
+      <pc:chgData name="Jason Carman" userId="S::jason.carman@senecapolytechnic.ca::1f74b0c8-6da4-4004-8dc4-296d09d1a81f" providerId="AD" clId="Web-{8048F350-23C3-42FE-9B34-AB1A2945B383}" dt="2024-01-02T20:26:07.320" v="83" actId="20577"/>
+      <pc:docMkLst>
+        <pc:docMk/>
+      </pc:docMkLst>
+      <pc:sldChg chg="modSp">
+        <pc:chgData name="Jason Carman" userId="S::jason.carman@senecapolytechnic.ca::1f74b0c8-6da4-4004-8dc4-296d09d1a81f" providerId="AD" clId="Web-{8048F350-23C3-42FE-9B34-AB1A2945B383}" dt="2024-01-02T20:22:30.703" v="0" actId="20577"/>
+        <pc:sldMkLst>
+          <pc:docMk/>
+          <pc:sldMk cId="0" sldId="256"/>
+        </pc:sldMkLst>
+        <pc:spChg chg="mod">
+          <ac:chgData name="Jason Carman" userId="S::jason.carman@senecapolytechnic.ca::1f74b0c8-6da4-4004-8dc4-296d09d1a81f" providerId="AD" clId="Web-{8048F350-23C3-42FE-9B34-AB1A2945B383}" dt="2024-01-02T20:22:30.703" v="0" actId="20577"/>
+          <ac:spMkLst>
+            <pc:docMk/>
+            <pc:sldMk cId="0" sldId="256"/>
+            <ac:spMk id="78" creationId="{00000000-0000-0000-0000-000000000000}"/>
+          </ac:spMkLst>
+        </pc:spChg>
+      </pc:sldChg>
+      <pc:sldChg chg="modSp">
+        <pc:chgData name="Jason Carman" userId="S::jason.carman@senecapolytechnic.ca::1f74b0c8-6da4-4004-8dc4-296d09d1a81f" providerId="AD" clId="Web-{8048F350-23C3-42FE-9B34-AB1A2945B383}" dt="2024-01-02T20:23:07.876" v="18" actId="20577"/>
+        <pc:sldMkLst>
+          <pc:docMk/>
+          <pc:sldMk cId="0" sldId="257"/>
+        </pc:sldMkLst>
+        <pc:spChg chg="mod">
+          <ac:chgData name="Jason Carman" userId="S::jason.carman@senecapolytechnic.ca::1f74b0c8-6da4-4004-8dc4-296d09d1a81f" providerId="AD" clId="Web-{8048F350-23C3-42FE-9B34-AB1A2945B383}" dt="2024-01-02T20:22:36" v="5" actId="20577"/>
+          <ac:spMkLst>
+            <pc:docMk/>
+            <pc:sldMk cId="0" sldId="257"/>
+            <ac:spMk id="81" creationId="{00000000-0000-0000-0000-000000000000}"/>
+          </ac:spMkLst>
+        </pc:spChg>
+        <pc:spChg chg="mod">
+          <ac:chgData name="Jason Carman" userId="S::jason.carman@senecapolytechnic.ca::1f74b0c8-6da4-4004-8dc4-296d09d1a81f" providerId="AD" clId="Web-{8048F350-23C3-42FE-9B34-AB1A2945B383}" dt="2024-01-02T20:23:07.876" v="18" actId="20577"/>
+          <ac:spMkLst>
+            <pc:docMk/>
+            <pc:sldMk cId="0" sldId="257"/>
+            <ac:spMk id="82" creationId="{00000000-0000-0000-0000-000000000000}"/>
+          </ac:spMkLst>
+        </pc:spChg>
+      </pc:sldChg>
+      <pc:sldChg chg="modSp">
+        <pc:chgData name="Jason Carman" userId="S::jason.carman@senecapolytechnic.ca::1f74b0c8-6da4-4004-8dc4-296d09d1a81f" providerId="AD" clId="Web-{8048F350-23C3-42FE-9B34-AB1A2945B383}" dt="2024-01-02T20:24:03.347" v="40" actId="20577"/>
+        <pc:sldMkLst>
+          <pc:docMk/>
+          <pc:sldMk cId="0" sldId="258"/>
+        </pc:sldMkLst>
+        <pc:spChg chg="mod">
+          <ac:chgData name="Jason Carman" userId="S::jason.carman@senecapolytechnic.ca::1f74b0c8-6da4-4004-8dc4-296d09d1a81f" providerId="AD" clId="Web-{8048F350-23C3-42FE-9B34-AB1A2945B383}" dt="2024-01-02T20:23:14.564" v="19" actId="20577"/>
+          <ac:spMkLst>
+            <pc:docMk/>
+            <pc:sldMk cId="0" sldId="258"/>
+            <ac:spMk id="83" creationId="{00000000-0000-0000-0000-000000000000}"/>
+          </ac:spMkLst>
+        </pc:spChg>
+        <pc:spChg chg="mod">
+          <ac:chgData name="Jason Carman" userId="S::jason.carman@senecapolytechnic.ca::1f74b0c8-6da4-4004-8dc4-296d09d1a81f" providerId="AD" clId="Web-{8048F350-23C3-42FE-9B34-AB1A2945B383}" dt="2024-01-02T20:24:03.347" v="40" actId="20577"/>
+          <ac:spMkLst>
+            <pc:docMk/>
+            <pc:sldMk cId="0" sldId="258"/>
+            <ac:spMk id="84" creationId="{00000000-0000-0000-0000-000000000000}"/>
+          </ac:spMkLst>
+        </pc:spChg>
+      </pc:sldChg>
+      <pc:sldChg chg="del">
+        <pc:chgData name="Jason Carman" userId="S::jason.carman@senecapolytechnic.ca::1f74b0c8-6da4-4004-8dc4-296d09d1a81f" providerId="AD" clId="Web-{8048F350-23C3-42FE-9B34-AB1A2945B383}" dt="2024-01-02T20:24:13.082" v="41"/>
+        <pc:sldMkLst>
+          <pc:docMk/>
+          <pc:sldMk cId="0" sldId="259"/>
+        </pc:sldMkLst>
+      </pc:sldChg>
+      <pc:sldChg chg="modSp">
+        <pc:chgData name="Jason Carman" userId="S::jason.carman@senecapolytechnic.ca::1f74b0c8-6da4-4004-8dc4-296d09d1a81f" providerId="AD" clId="Web-{8048F350-23C3-42FE-9B34-AB1A2945B383}" dt="2024-01-02T20:24:35.723" v="47" actId="20577"/>
+        <pc:sldMkLst>
+          <pc:docMk/>
+          <pc:sldMk cId="0" sldId="260"/>
+        </pc:sldMkLst>
+        <pc:spChg chg="mod">
+          <ac:chgData name="Jason Carman" userId="S::jason.carman@senecapolytechnic.ca::1f74b0c8-6da4-4004-8dc4-296d09d1a81f" providerId="AD" clId="Web-{8048F350-23C3-42FE-9B34-AB1A2945B383}" dt="2024-01-02T20:24:22.191" v="43" actId="20577"/>
+          <ac:spMkLst>
+            <pc:docMk/>
+            <pc:sldMk cId="0" sldId="260"/>
+            <ac:spMk id="87" creationId="{00000000-0000-0000-0000-000000000000}"/>
+          </ac:spMkLst>
+        </pc:spChg>
+        <pc:spChg chg="mod">
+          <ac:chgData name="Jason Carman" userId="S::jason.carman@senecapolytechnic.ca::1f74b0c8-6da4-4004-8dc4-296d09d1a81f" providerId="AD" clId="Web-{8048F350-23C3-42FE-9B34-AB1A2945B383}" dt="2024-01-02T20:24:35.723" v="47" actId="20577"/>
+          <ac:spMkLst>
+            <pc:docMk/>
+            <pc:sldMk cId="0" sldId="260"/>
+            <ac:spMk id="88" creationId="{00000000-0000-0000-0000-000000000000}"/>
+          </ac:spMkLst>
+        </pc:spChg>
+      </pc:sldChg>
+      <pc:sldChg chg="modSp">
+        <pc:chgData name="Jason Carman" userId="S::jason.carman@senecapolytechnic.ca::1f74b0c8-6da4-4004-8dc4-296d09d1a81f" providerId="AD" clId="Web-{8048F350-23C3-42FE-9B34-AB1A2945B383}" dt="2024-01-02T20:25:19.162" v="63" actId="20577"/>
+        <pc:sldMkLst>
+          <pc:docMk/>
+          <pc:sldMk cId="0" sldId="261"/>
+        </pc:sldMkLst>
+        <pc:spChg chg="mod">
+          <ac:chgData name="Jason Carman" userId="S::jason.carman@senecapolytechnic.ca::1f74b0c8-6da4-4004-8dc4-296d09d1a81f" providerId="AD" clId="Web-{8048F350-23C3-42FE-9B34-AB1A2945B383}" dt="2024-01-02T20:24:52.427" v="49" actId="20577"/>
+          <ac:spMkLst>
+            <pc:docMk/>
+            <pc:sldMk cId="0" sldId="261"/>
+            <ac:spMk id="89" creationId="{00000000-0000-0000-0000-000000000000}"/>
+          </ac:spMkLst>
+        </pc:spChg>
+        <pc:spChg chg="mod">
+          <ac:chgData name="Jason Carman" userId="S::jason.carman@senecapolytechnic.ca::1f74b0c8-6da4-4004-8dc4-296d09d1a81f" providerId="AD" clId="Web-{8048F350-23C3-42FE-9B34-AB1A2945B383}" dt="2024-01-02T20:25:19.162" v="63" actId="20577"/>
+          <ac:spMkLst>
+            <pc:docMk/>
+            <pc:sldMk cId="0" sldId="261"/>
+            <ac:spMk id="90" creationId="{00000000-0000-0000-0000-000000000000}"/>
+          </ac:spMkLst>
+        </pc:spChg>
+      </pc:sldChg>
+      <pc:sldChg chg="modSp">
+        <pc:chgData name="Jason Carman" userId="S::jason.carman@senecapolytechnic.ca::1f74b0c8-6da4-4004-8dc4-296d09d1a81f" providerId="AD" clId="Web-{8048F350-23C3-42FE-9B34-AB1A2945B383}" dt="2024-01-02T20:26:07.320" v="83" actId="20577"/>
+        <pc:sldMkLst>
+          <pc:docMk/>
+          <pc:sldMk cId="0" sldId="262"/>
+        </pc:sldMkLst>
+        <pc:spChg chg="mod">
+          <ac:chgData name="Jason Carman" userId="S::jason.carman@senecapolytechnic.ca::1f74b0c8-6da4-4004-8dc4-296d09d1a81f" providerId="AD" clId="Web-{8048F350-23C3-42FE-9B34-AB1A2945B383}" dt="2024-01-02T20:26:07.320" v="83" actId="20577"/>
+          <ac:spMkLst>
+            <pc:docMk/>
+            <pc:sldMk cId="0" sldId="262"/>
+            <ac:spMk id="92" creationId="{00000000-0000-0000-0000-000000000000}"/>
+          </ac:spMkLst>
+        </pc:spChg>
+      </pc:sldChg>
+    </pc:docChg>
+  </pc:docChgLst>
+</pc:chgInfo>
 </file>
 
 <file path=ppt/slideLayouts/slideLayout1.xml><?xml version="1.0" encoding="utf-8"?>
@@ -4760,18 +4935,18 @@
           <a:lstStyle/>
           <a:p>
             <a:r>
-              <a:rPr lang="en-CA" sz="3570" b="0" strike="noStrike" spc="-1" dirty="0">
-                <a:solidFill>
-                  <a:srgbClr val="FFFFFF"/>
-                </a:solidFill>
-                <a:uFill>
-                  <a:solidFill>
-                    <a:srgbClr val="FFFFFF"/>
-                  </a:solidFill>
-                </a:uFill>
-                <a:latin typeface="Arial"/>
-              </a:rPr>
-              <a:t>OPS245</a:t>
+              <a:rPr lang="en-CA" sz="3550" spc="-1" dirty="0">
+                <a:solidFill>
+                  <a:srgbClr val="FFFFFF"/>
+                </a:solidFill>
+                <a:uFill>
+                  <a:solidFill>
+                    <a:srgbClr val="FFFFFF"/>
+                  </a:solidFill>
+                </a:uFill>
+                <a:latin typeface="Arial"/>
+              </a:rPr>
+              <a:t>OSL740</a:t>
             </a:r>
             <a:endParaRPr lang="en-CA" sz="3570" b="0" strike="noStrike" spc="-1" dirty="0">
               <a:solidFill>
@@ -4923,519 +5098,6 @@
       </p:grpSpPr>
       <p:sp>
         <p:nvSpPr>
-          <p:cNvPr id="97" name="CustomShape 1"/>
-          <p:cNvSpPr/>
-          <p:nvPr/>
-        </p:nvSpPr>
-        <p:spPr>
-          <a:xfrm>
-            <a:off x="504000" y="216000"/>
-            <a:ext cx="7019640" cy="935640"/>
-          </a:xfrm>
-          <a:prstGeom prst="rect">
-            <a:avLst/>
-          </a:prstGeom>
-          <a:noFill/>
-          <a:ln>
-            <a:noFill/>
-          </a:ln>
-        </p:spPr>
-        <p:style>
-          <a:lnRef idx="0">
-            <a:scrgbClr r="0" g="0" b="0"/>
-          </a:lnRef>
-          <a:fillRef idx="0">
-            <a:scrgbClr r="0" g="0" b="0"/>
-          </a:fillRef>
-          <a:effectRef idx="0">
-            <a:scrgbClr r="0" g="0" b="0"/>
-          </a:effectRef>
-          <a:fontRef idx="minor"/>
-        </p:style>
-        <p:txBody>
-          <a:bodyPr lIns="0" tIns="0" rIns="0" bIns="0" anchor="ctr"/>
-          <a:lstStyle/>
-          <a:p>
-            <a:r>
-              <a:rPr lang="en-CA" sz="3570" b="0" strike="noStrike" spc="-1">
-                <a:solidFill>
-                  <a:srgbClr val="FFFFFF"/>
-                </a:solidFill>
-                <a:uFill>
-                  <a:solidFill>
-                    <a:srgbClr val="FFFFFF"/>
-                  </a:solidFill>
-                </a:uFill>
-                <a:latin typeface="Arial"/>
-              </a:rPr>
-              <a:t>For Labs</a:t>
-            </a:r>
-            <a:endParaRPr lang="en-CA" sz="3570" b="0" strike="noStrike" spc="-1">
-              <a:solidFill>
-                <a:srgbClr val="000000"/>
-              </a:solidFill>
-              <a:uFill>
-                <a:solidFill>
-                  <a:srgbClr val="FFFFFF"/>
-                </a:solidFill>
-              </a:uFill>
-              <a:latin typeface="Arial"/>
-            </a:endParaRPr>
-          </a:p>
-        </p:txBody>
-      </p:sp>
-      <p:sp>
-        <p:nvSpPr>
-          <p:cNvPr id="98" name="CustomShape 2"/>
-          <p:cNvSpPr/>
-          <p:nvPr/>
-        </p:nvSpPr>
-        <p:spPr>
-          <a:xfrm>
-            <a:off x="504000" y="1368000"/>
-            <a:ext cx="9071640" cy="3287880"/>
-          </a:xfrm>
-          <a:prstGeom prst="rect">
-            <a:avLst/>
-          </a:prstGeom>
-          <a:noFill/>
-          <a:ln>
-            <a:noFill/>
-          </a:ln>
-        </p:spPr>
-        <p:style>
-          <a:lnRef idx="0">
-            <a:scrgbClr r="0" g="0" b="0"/>
-          </a:lnRef>
-          <a:fillRef idx="0">
-            <a:scrgbClr r="0" g="0" b="0"/>
-          </a:fillRef>
-          <a:effectRef idx="0">
-            <a:scrgbClr r="0" g="0" b="0"/>
-          </a:effectRef>
-          <a:fontRef idx="minor"/>
-        </p:style>
-        <p:txBody>
-          <a:bodyPr lIns="0" tIns="0" rIns="0" bIns="0">
-            <a:normAutofit fontScale="62500" lnSpcReduction="20000"/>
-          </a:bodyPr>
-          <a:lstStyle/>
-          <a:p>
-            <a:pPr marL="432000" indent="-323640">
-              <a:lnSpc>
-                <a:spcPct val="100000"/>
-              </a:lnSpc>
-              <a:spcAft>
-                <a:spcPts val="1148"/>
-              </a:spcAft>
-              <a:buClr>
-                <a:srgbClr val="000000"/>
-              </a:buClr>
-              <a:buSzPct val="45000"/>
-              <a:buFont typeface="Wingdings" charset="2"/>
-              <a:buChar char=""/>
-            </a:pPr>
-            <a:r>
-              <a:rPr lang="en-CA" sz="2600" b="0" strike="noStrike" spc="-1">
-                <a:solidFill>
-                  <a:srgbClr val="000000"/>
-                </a:solidFill>
-                <a:uFill>
-                  <a:solidFill>
-                    <a:srgbClr val="FFFFFF"/>
-                  </a:solidFill>
-                </a:uFill>
-                <a:latin typeface="Arial"/>
-              </a:rPr>
-              <a:t>There are minimal materials you are expected to have with you to make proper use of our lab time.</a:t>
-            </a:r>
-          </a:p>
-          <a:p>
-            <a:pPr marL="864000" lvl="1" indent="-323640">
-              <a:lnSpc>
-                <a:spcPct val="100000"/>
-              </a:lnSpc>
-              <a:spcAft>
-                <a:spcPts val="918"/>
-              </a:spcAft>
-              <a:buClr>
-                <a:srgbClr val="000000"/>
-              </a:buClr>
-              <a:buSzPct val="75000"/>
-              <a:buFont typeface="Symbol"/>
-              <a:buChar char=""/>
-            </a:pPr>
-            <a:r>
-              <a:rPr lang="en-CA" sz="2280" b="0" strike="noStrike" spc="-1">
-                <a:solidFill>
-                  <a:srgbClr val="000000"/>
-                </a:solidFill>
-                <a:uFill>
-                  <a:solidFill>
-                    <a:srgbClr val="FFFFFF"/>
-                  </a:solidFill>
-                </a:uFill>
-                <a:latin typeface="Arial"/>
-              </a:rPr>
-              <a:t>Solid State Drive (SSD)</a:t>
-            </a:r>
-          </a:p>
-          <a:p>
-            <a:pPr marL="1296000" lvl="2" indent="-287640">
-              <a:lnSpc>
-                <a:spcPct val="100000"/>
-              </a:lnSpc>
-              <a:spcAft>
-                <a:spcPts val="689"/>
-              </a:spcAft>
-              <a:buClr>
-                <a:srgbClr val="000000"/>
-              </a:buClr>
-              <a:buSzPct val="45000"/>
-              <a:buFont typeface="Wingdings" charset="2"/>
-              <a:buChar char=""/>
-            </a:pPr>
-            <a:r>
-              <a:rPr lang="en-CA" sz="1950" b="0" strike="noStrike" spc="-1">
-                <a:solidFill>
-                  <a:srgbClr val="000000"/>
-                </a:solidFill>
-                <a:uFill>
-                  <a:solidFill>
-                    <a:srgbClr val="FFFFFF"/>
-                  </a:solidFill>
-                </a:uFill>
-                <a:latin typeface="Arial"/>
-              </a:rPr>
-              <a:t>USB 3.0</a:t>
-            </a:r>
-          </a:p>
-          <a:p>
-            <a:pPr marL="1296000" lvl="2" indent="-287640">
-              <a:lnSpc>
-                <a:spcPct val="100000"/>
-              </a:lnSpc>
-              <a:spcAft>
-                <a:spcPts val="689"/>
-              </a:spcAft>
-              <a:buClr>
-                <a:srgbClr val="000000"/>
-              </a:buClr>
-              <a:buSzPct val="45000"/>
-              <a:buFont typeface="Wingdings" charset="2"/>
-              <a:buChar char=""/>
-            </a:pPr>
-            <a:r>
-              <a:rPr lang="en-CA" sz="1950" b="0" strike="noStrike" spc="-1">
-                <a:solidFill>
-                  <a:srgbClr val="000000"/>
-                </a:solidFill>
-                <a:uFill>
-                  <a:solidFill>
-                    <a:srgbClr val="FFFFFF"/>
-                  </a:solidFill>
-                </a:uFill>
-                <a:latin typeface="Arial"/>
-              </a:rPr>
-              <a:t>Minimum Capacity 240 GB</a:t>
-            </a:r>
-          </a:p>
-          <a:p>
-            <a:pPr marL="864000" lvl="1" indent="-323640">
-              <a:lnSpc>
-                <a:spcPct val="100000"/>
-              </a:lnSpc>
-              <a:spcAft>
-                <a:spcPts val="918"/>
-              </a:spcAft>
-              <a:buClr>
-                <a:srgbClr val="000000"/>
-              </a:buClr>
-              <a:buSzPct val="75000"/>
-              <a:buFont typeface="Symbol"/>
-              <a:buChar char=""/>
-            </a:pPr>
-            <a:r>
-              <a:rPr lang="en-CA" sz="2280" b="0" strike="noStrike" spc="-1">
-                <a:solidFill>
-                  <a:srgbClr val="000000"/>
-                </a:solidFill>
-                <a:uFill>
-                  <a:solidFill>
-                    <a:srgbClr val="FFFFFF"/>
-                  </a:solidFill>
-                </a:uFill>
-                <a:latin typeface="Arial"/>
-              </a:rPr>
-              <a:t>Centos Full Install Image</a:t>
-            </a:r>
-          </a:p>
-          <a:p>
-            <a:pPr marL="1296000" lvl="2" indent="-287640">
-              <a:lnSpc>
-                <a:spcPct val="100000"/>
-              </a:lnSpc>
-              <a:spcAft>
-                <a:spcPts val="689"/>
-              </a:spcAft>
-              <a:buClr>
-                <a:srgbClr val="000000"/>
-              </a:buClr>
-              <a:buSzPct val="45000"/>
-              <a:buFont typeface="Wingdings" charset="2"/>
-              <a:buChar char=""/>
-            </a:pPr>
-            <a:r>
-              <a:rPr lang="en-CA" sz="1950" b="0" strike="noStrike" spc="-1">
-                <a:solidFill>
-                  <a:srgbClr val="000000"/>
-                </a:solidFill>
-                <a:uFill>
-                  <a:solidFill>
-                    <a:srgbClr val="FFFFFF"/>
-                  </a:solidFill>
-                </a:uFill>
-                <a:latin typeface="Arial"/>
-              </a:rPr>
-              <a:t>See the course wiki for a link to the current one.</a:t>
-            </a:r>
-          </a:p>
-          <a:p>
-            <a:pPr marL="864000" lvl="1" indent="-323640">
-              <a:lnSpc>
-                <a:spcPct val="100000"/>
-              </a:lnSpc>
-              <a:spcAft>
-                <a:spcPts val="918"/>
-              </a:spcAft>
-              <a:buClr>
-                <a:srgbClr val="000000"/>
-              </a:buClr>
-              <a:buSzPct val="75000"/>
-              <a:buFont typeface="Symbol"/>
-              <a:buChar char=""/>
-            </a:pPr>
-            <a:r>
-              <a:rPr lang="en-CA" sz="2280" b="0" strike="noStrike" spc="-1">
-                <a:solidFill>
-                  <a:srgbClr val="000000"/>
-                </a:solidFill>
-                <a:uFill>
-                  <a:solidFill>
-                    <a:srgbClr val="FFFFFF"/>
-                  </a:solidFill>
-                </a:uFill>
-                <a:latin typeface="Arial"/>
-              </a:rPr>
-              <a:t>USB Flash Drive</a:t>
-            </a:r>
-          </a:p>
-          <a:p>
-            <a:pPr marL="1296000" lvl="2" indent="-287640">
-              <a:lnSpc>
-                <a:spcPct val="100000"/>
-              </a:lnSpc>
-              <a:spcAft>
-                <a:spcPts val="689"/>
-              </a:spcAft>
-              <a:buClr>
-                <a:srgbClr val="000000"/>
-              </a:buClr>
-              <a:buSzPct val="45000"/>
-              <a:buFont typeface="Wingdings" charset="2"/>
-              <a:buChar char=""/>
-            </a:pPr>
-            <a:r>
-              <a:rPr lang="en-CA" sz="1950" b="0" strike="noStrike" spc="-1">
-                <a:solidFill>
-                  <a:srgbClr val="000000"/>
-                </a:solidFill>
-                <a:uFill>
-                  <a:solidFill>
-                    <a:srgbClr val="FFFFFF"/>
-                  </a:solidFill>
-                </a:uFill>
-                <a:latin typeface="Arial"/>
-              </a:rPr>
-              <a:t>USB 3.0</a:t>
-            </a:r>
-          </a:p>
-          <a:p>
-            <a:pPr marL="1296000" lvl="2" indent="-287640">
-              <a:lnSpc>
-                <a:spcPct val="100000"/>
-              </a:lnSpc>
-              <a:spcAft>
-                <a:spcPts val="689"/>
-              </a:spcAft>
-              <a:buClr>
-                <a:srgbClr val="000000"/>
-              </a:buClr>
-              <a:buSzPct val="45000"/>
-              <a:buFont typeface="Wingdings" charset="2"/>
-              <a:buChar char=""/>
-            </a:pPr>
-            <a:r>
-              <a:rPr lang="en-CA" sz="1950" b="0" strike="noStrike" spc="-1">
-                <a:solidFill>
-                  <a:srgbClr val="000000"/>
-                </a:solidFill>
-                <a:uFill>
-                  <a:solidFill>
-                    <a:srgbClr val="FFFFFF"/>
-                  </a:solidFill>
-                </a:uFill>
-                <a:latin typeface="Arial"/>
-              </a:rPr>
-              <a:t>Minimum Capacity 16 GB</a:t>
-            </a:r>
-          </a:p>
-          <a:p>
-            <a:pPr marL="864000" lvl="1" indent="-323640">
-              <a:lnSpc>
-                <a:spcPct val="100000"/>
-              </a:lnSpc>
-              <a:spcAft>
-                <a:spcPts val="918"/>
-              </a:spcAft>
-              <a:buClr>
-                <a:srgbClr val="000000"/>
-              </a:buClr>
-              <a:buSzPct val="75000"/>
-              <a:buFont typeface="Symbol"/>
-              <a:buChar char=""/>
-            </a:pPr>
-            <a:r>
-              <a:rPr lang="en-CA" sz="2280" b="0" strike="noStrike" spc="-1">
-                <a:solidFill>
-                  <a:srgbClr val="000000"/>
-                </a:solidFill>
-                <a:uFill>
-                  <a:solidFill>
-                    <a:srgbClr val="FFFFFF"/>
-                  </a:solidFill>
-                </a:uFill>
-                <a:latin typeface="Arial"/>
-              </a:rPr>
-              <a:t>Lab Log-Book</a:t>
-            </a:r>
-          </a:p>
-          <a:p>
-            <a:pPr marL="1296000" lvl="2" indent="-287640">
-              <a:lnSpc>
-                <a:spcPct val="100000"/>
-              </a:lnSpc>
-              <a:spcAft>
-                <a:spcPts val="689"/>
-              </a:spcAft>
-              <a:buClr>
-                <a:srgbClr val="000000"/>
-              </a:buClr>
-              <a:buSzPct val="45000"/>
-              <a:buFont typeface="Wingdings" charset="2"/>
-              <a:buChar char=""/>
-            </a:pPr>
-            <a:r>
-              <a:rPr lang="en-CA" sz="1950" b="0" strike="noStrike" spc="-1">
-                <a:solidFill>
-                  <a:srgbClr val="000000"/>
-                </a:solidFill>
-                <a:uFill>
-                  <a:solidFill>
-                    <a:srgbClr val="FFFFFF"/>
-                  </a:solidFill>
-                </a:uFill>
-                <a:latin typeface="Arial"/>
-              </a:rPr>
-              <a:t>For online classes print your own</a:t>
-            </a:r>
-          </a:p>
-          <a:p>
-            <a:pPr marL="1296000" lvl="2" indent="-287640">
-              <a:lnSpc>
-                <a:spcPct val="100000"/>
-              </a:lnSpc>
-              <a:spcAft>
-                <a:spcPts val="689"/>
-              </a:spcAft>
-              <a:buClr>
-                <a:srgbClr val="000000"/>
-              </a:buClr>
-              <a:buSzPct val="45000"/>
-              <a:buFont typeface="Wingdings" charset="2"/>
-              <a:buChar char=""/>
-            </a:pPr>
-            <a:r>
-              <a:rPr lang="en-CA" sz="1950" b="0" strike="noStrike" spc="-1">
-                <a:solidFill>
-                  <a:srgbClr val="000000"/>
-                </a:solidFill>
-                <a:uFill>
-                  <a:solidFill>
-                    <a:srgbClr val="FFFFFF"/>
-                  </a:solidFill>
-                </a:uFill>
-                <a:latin typeface="Arial"/>
-              </a:rPr>
-              <a:t>For in-class your professor will have the print centre print them for you.</a:t>
-            </a:r>
-          </a:p>
-        </p:txBody>
-      </p:sp>
-    </p:spTree>
-  </p:cSld>
-  <p:clrMapOvr>
-    <a:masterClrMapping/>
-  </p:clrMapOvr>
-  <p:timing>
-    <p:tnLst>
-      <p:par>
-        <p:cTn id="1" dur="indefinite" restart="never" nodeType="tmRoot">
-          <p:childTnLst>
-            <p:seq>
-              <p:cTn id="2" nodeType="mainSeq"/>
-              <p:prevCondLst>
-                <p:cond evt="onPrev" delay="0">
-                  <p:tgtEl>
-                    <p:sldTgt/>
-                  </p:tgtEl>
-                </p:cond>
-              </p:prevCondLst>
-              <p:nextCondLst>
-                <p:cond evt="onNext" delay="0">
-                  <p:tgtEl>
-                    <p:sldTgt/>
-                  </p:tgtEl>
-                </p:cond>
-              </p:nextCondLst>
-            </p:seq>
-          </p:childTnLst>
-        </p:cTn>
-      </p:par>
-    </p:tnLst>
-  </p:timing>
-</p:sld>
-</file>
-
-<file path=ppt/slides/slide11.xml><?xml version="1.0" encoding="utf-8"?>
-<p:sld xmlns:a="http://schemas.openxmlformats.org/drawingml/2006/main" xmlns:r="http://schemas.openxmlformats.org/officeDocument/2006/relationships" xmlns:p="http://schemas.openxmlformats.org/presentationml/2006/main">
-  <p:cSld>
-    <p:spTree>
-      <p:nvGrpSpPr>
-        <p:cNvPr id="1" name=""/>
-        <p:cNvGrpSpPr/>
-        <p:nvPr/>
-      </p:nvGrpSpPr>
-      <p:grpSpPr>
-        <a:xfrm>
-          <a:off x="0" y="0"/>
-          <a:ext cx="0" cy="0"/>
-          <a:chOff x="0" y="0"/>
-          <a:chExt cx="0" cy="0"/>
-        </a:xfrm>
-      </p:grpSpPr>
-      <p:sp>
-        <p:nvSpPr>
           <p:cNvPr id="99" name="CustomShape 1"/>
           <p:cNvSpPr/>
           <p:nvPr/>
@@ -5713,18 +5375,32 @@
           <a:lstStyle/>
           <a:p>
             <a:r>
-              <a:rPr lang="en-CA" sz="3570" b="0" strike="noStrike" spc="-1" dirty="0">
-                <a:solidFill>
-                  <a:srgbClr val="FFFFFF"/>
-                </a:solidFill>
-                <a:uFill>
-                  <a:solidFill>
-                    <a:srgbClr val="FFFFFF"/>
-                  </a:solidFill>
-                </a:uFill>
-                <a:latin typeface="Arial"/>
-              </a:rPr>
-              <a:t>Welcome to OPS245</a:t>
+              <a:rPr lang="en-CA" sz="3550" b="0" strike="noStrike" spc="-1" dirty="0">
+                <a:solidFill>
+                  <a:srgbClr val="FFFFFF"/>
+                </a:solidFill>
+                <a:uFill>
+                  <a:solidFill>
+                    <a:srgbClr val="FFFFFF"/>
+                  </a:solidFill>
+                </a:uFill>
+                <a:latin typeface="Arial"/>
+              </a:rPr>
+              <a:t>Welcome to </a:t>
+            </a:r>
+            <a:r>
+              <a:rPr lang="en-CA" sz="3550" spc="-1" dirty="0">
+                <a:solidFill>
+                  <a:srgbClr val="FFFFFF"/>
+                </a:solidFill>
+                <a:uFill>
+                  <a:solidFill>
+                    <a:srgbClr val="FFFFFF"/>
+                  </a:solidFill>
+                </a:uFill>
+                <a:latin typeface="Arial"/>
+              </a:rPr>
+              <a:t>OSL740</a:t>
             </a:r>
             <a:endParaRPr lang="en-CA" sz="3570" b="0" strike="noStrike" spc="-1" dirty="0">
               <a:solidFill>
@@ -5772,12 +5448,12 @@
           <a:fontRef idx="minor"/>
         </p:style>
         <p:txBody>
-          <a:bodyPr lIns="0" tIns="0" rIns="0" bIns="0">
+          <a:bodyPr lIns="0" tIns="0" rIns="0" bIns="0" anchor="t">
             <a:normAutofit lnSpcReduction="10000"/>
           </a:bodyPr>
           <a:lstStyle/>
           <a:p>
-            <a:pPr marL="432000" indent="-323640">
+            <a:pPr marL="431800" indent="-323215">
               <a:lnSpc>
                 <a:spcPct val="100000"/>
               </a:lnSpc>
@@ -5792,22 +5468,51 @@
               <a:buChar char=""/>
             </a:pPr>
             <a:r>
-              <a:rPr lang="en-CA" sz="2600" b="0" strike="noStrike" spc="-1">
-                <a:solidFill>
-                  <a:srgbClr val="000000"/>
-                </a:solidFill>
-                <a:uFill>
-                  <a:solidFill>
-                    <a:srgbClr val="FFFFFF"/>
-                  </a:solidFill>
-                </a:uFill>
-                <a:latin typeface="Arial"/>
-              </a:rPr>
-              <a:t>In ULI101, you learned how to work in the Linux environment, using both a Command Line Interface (CLI) and a Graphical User Interface (GUI).</a:t>
-            </a:r>
-          </a:p>
-          <a:p>
-            <a:pPr marL="432000" indent="-323640">
+              <a:rPr lang="en-CA" sz="2600" b="0" strike="noStrike" spc="-1" dirty="0">
+                <a:solidFill>
+                  <a:srgbClr val="000000"/>
+                </a:solidFill>
+                <a:uFill>
+                  <a:solidFill>
+                    <a:srgbClr val="FFFFFF"/>
+                  </a:solidFill>
+                </a:uFill>
+                <a:latin typeface="Arial"/>
+              </a:rPr>
+              <a:t>In </a:t>
+            </a:r>
+            <a:r>
+              <a:rPr lang="en-CA" sz="2600" spc="-1" dirty="0">
+                <a:solidFill>
+                  <a:srgbClr val="000000"/>
+                </a:solidFill>
+                <a:uFill>
+                  <a:solidFill>
+                    <a:srgbClr val="FFFFFF"/>
+                  </a:solidFill>
+                </a:uFill>
+                <a:latin typeface="Arial"/>
+              </a:rPr>
+              <a:t>OSL640</a:t>
+            </a:r>
+            <a:r>
+              <a:rPr lang="en-CA" sz="2600" b="0" strike="noStrike" spc="-1" dirty="0">
+                <a:solidFill>
+                  <a:srgbClr val="000000"/>
+                </a:solidFill>
+                <a:uFill>
+                  <a:solidFill>
+                    <a:srgbClr val="FFFFFF"/>
+                  </a:solidFill>
+                </a:uFill>
+                <a:latin typeface="Arial"/>
+              </a:rPr>
+              <a:t>, you learned how to work in the Linux environment, using both a Command Line Interface (CLI) and a Graphical User Interface (GUI).</a:t>
+            </a:r>
+            <a:endParaRPr lang="en-US" dirty="0"/>
+          </a:p>
+          <a:p>
+            <a:pPr marL="431800" indent="-323215">
               <a:lnSpc>
                 <a:spcPct val="100000"/>
               </a:lnSpc>
@@ -5822,22 +5527,78 @@
               <a:buChar char=""/>
             </a:pPr>
             <a:r>
-              <a:rPr lang="en-CA" sz="2600" b="0" strike="noStrike" spc="-1">
-                <a:solidFill>
-                  <a:srgbClr val="000000"/>
-                </a:solidFill>
-                <a:uFill>
-                  <a:solidFill>
-                    <a:srgbClr val="FFFFFF"/>
-                  </a:solidFill>
-                </a:uFill>
-                <a:latin typeface="Arial"/>
-              </a:rPr>
-              <a:t>That course was the first course in the OPS (OPerating Systems) stream in your CNS/CTY program.</a:t>
-            </a:r>
-          </a:p>
-          <a:p>
-            <a:pPr marL="432000" indent="-323640">
+              <a:rPr lang="en-CA" sz="2600" b="0" strike="noStrike" spc="-1" dirty="0">
+                <a:solidFill>
+                  <a:srgbClr val="000000"/>
+                </a:solidFill>
+                <a:uFill>
+                  <a:solidFill>
+                    <a:srgbClr val="FFFFFF"/>
+                  </a:solidFill>
+                </a:uFill>
+                <a:latin typeface="Arial"/>
+              </a:rPr>
+              <a:t>That course was the first course in the </a:t>
+            </a:r>
+            <a:r>
+              <a:rPr lang="en-CA" sz="2600" spc="-1" dirty="0">
+                <a:solidFill>
+                  <a:srgbClr val="000000"/>
+                </a:solidFill>
+                <a:uFill>
+                  <a:solidFill>
+                    <a:srgbClr val="FFFFFF"/>
+                  </a:solidFill>
+                </a:uFill>
+                <a:latin typeface="Arial"/>
+              </a:rPr>
+              <a:t>Linux</a:t>
+            </a:r>
+            <a:r>
+              <a:rPr lang="en-CA" sz="2600" b="0" strike="noStrike" spc="-1" dirty="0">
+                <a:solidFill>
+                  <a:srgbClr val="000000"/>
+                </a:solidFill>
+                <a:uFill>
+                  <a:solidFill>
+                    <a:srgbClr val="FFFFFF"/>
+                  </a:solidFill>
+                </a:uFill>
+                <a:latin typeface="Arial"/>
+              </a:rPr>
+              <a:t> stream in your </a:t>
+            </a:r>
+            <a:r>
+              <a:rPr lang="en-CA" sz="2600" spc="-1" dirty="0">
+                <a:solidFill>
+                  <a:srgbClr val="000000"/>
+                </a:solidFill>
+                <a:uFill>
+                  <a:solidFill>
+                    <a:srgbClr val="FFFFFF"/>
+                  </a:solidFill>
+                </a:uFill>
+                <a:latin typeface="Arial"/>
+              </a:rPr>
+              <a:t>BTT</a:t>
+            </a:r>
+            <a:r>
+              <a:rPr lang="en-CA" sz="2600" b="0" strike="noStrike" spc="-1" dirty="0">
+                <a:solidFill>
+                  <a:srgbClr val="000000"/>
+                </a:solidFill>
+                <a:uFill>
+                  <a:solidFill>
+                    <a:srgbClr val="FFFFFF"/>
+                  </a:solidFill>
+                </a:uFill>
+                <a:latin typeface="Arial"/>
+              </a:rPr>
+              <a:t> program.</a:t>
+            </a:r>
+          </a:p>
+          <a:p>
+            <a:pPr marL="431800" indent="-323215">
               <a:lnSpc>
                 <a:spcPct val="100000"/>
               </a:lnSpc>
@@ -5852,18 +5613,46 @@
               <a:buChar char=""/>
             </a:pPr>
             <a:r>
-              <a:rPr lang="en-CA" sz="2600" b="0" strike="noStrike" spc="-1">
-                <a:solidFill>
-                  <a:srgbClr val="000000"/>
-                </a:solidFill>
-                <a:uFill>
-                  <a:solidFill>
-                    <a:srgbClr val="FFFFFF"/>
-                  </a:solidFill>
-                </a:uFill>
-                <a:latin typeface="Arial"/>
-              </a:rPr>
-              <a:t>This course (OPS245) will teach you skills that you will use to run (administer) Linux servers, and provide a foundation for other courses in your program.</a:t>
+              <a:rPr lang="en-CA" sz="2600" b="0" strike="noStrike" spc="-1" dirty="0">
+                <a:solidFill>
+                  <a:srgbClr val="000000"/>
+                </a:solidFill>
+                <a:uFill>
+                  <a:solidFill>
+                    <a:srgbClr val="FFFFFF"/>
+                  </a:solidFill>
+                </a:uFill>
+                <a:latin typeface="Arial"/>
+              </a:rPr>
+              <a:t>This course (</a:t>
+            </a:r>
+            <a:r>
+              <a:rPr lang="en-CA" sz="2600" spc="-1" dirty="0">
+                <a:solidFill>
+                  <a:srgbClr val="000000"/>
+                </a:solidFill>
+                <a:uFill>
+                  <a:solidFill>
+                    <a:srgbClr val="FFFFFF"/>
+                  </a:solidFill>
+                </a:uFill>
+                <a:latin typeface="Arial"/>
+              </a:rPr>
+              <a:t>OSL740</a:t>
+            </a:r>
+            <a:r>
+              <a:rPr lang="en-CA" sz="2600" b="0" strike="noStrike" spc="-1" dirty="0">
+                <a:solidFill>
+                  <a:srgbClr val="000000"/>
+                </a:solidFill>
+                <a:uFill>
+                  <a:solidFill>
+                    <a:srgbClr val="FFFFFF"/>
+                  </a:solidFill>
+                </a:uFill>
+                <a:latin typeface="Arial"/>
+              </a:rPr>
+              <a:t>) will teach you skills that you will use to run (administer) Linux servers, and provide a foundation for other courses in your program.</a:t>
             </a:r>
           </a:p>
         </p:txBody>
@@ -5956,20 +5745,48 @@
           <a:lstStyle/>
           <a:p>
             <a:r>
-              <a:rPr lang="en-CA" sz="3570" b="0" strike="noStrike" spc="-1">
-                <a:solidFill>
-                  <a:srgbClr val="FFFFFF"/>
-                </a:solidFill>
-                <a:uFill>
-                  <a:solidFill>
-                    <a:srgbClr val="FFFFFF"/>
-                  </a:solidFill>
-                </a:uFill>
-                <a:latin typeface="Arial"/>
-              </a:rPr>
-              <a:t>Courses in the OPS Stream</a:t>
-            </a:r>
-            <a:endParaRPr lang="en-CA" sz="3570" b="0" strike="noStrike" spc="-1">
+              <a:rPr lang="en-CA" sz="3550" b="0" strike="noStrike" spc="-1" dirty="0">
+                <a:solidFill>
+                  <a:srgbClr val="FFFFFF"/>
+                </a:solidFill>
+                <a:uFill>
+                  <a:solidFill>
+                    <a:srgbClr val="FFFFFF"/>
+                  </a:solidFill>
+                </a:uFill>
+                <a:latin typeface="Arial"/>
+              </a:rPr>
+              <a:t>Courses in the </a:t>
+            </a:r>
+            <a:r>
+              <a:rPr lang="en-CA" sz="3550" spc="-1" dirty="0">
+                <a:solidFill>
+                  <a:srgbClr val="FFFFFF"/>
+                </a:solidFill>
+                <a:uFill>
+                  <a:solidFill>
+                    <a:srgbClr val="FFFFFF"/>
+                  </a:solidFill>
+                </a:uFill>
+                <a:latin typeface="Arial"/>
+              </a:rPr>
+              <a:t>Linux</a:t>
+            </a:r>
+            <a:r>
+              <a:rPr lang="en-CA" sz="3550" b="0" strike="noStrike" spc="-1" dirty="0">
+                <a:solidFill>
+                  <a:srgbClr val="FFFFFF"/>
+                </a:solidFill>
+                <a:uFill>
+                  <a:solidFill>
+                    <a:srgbClr val="FFFFFF"/>
+                  </a:solidFill>
+                </a:uFill>
+                <a:latin typeface="Arial"/>
+              </a:rPr>
+              <a:t> Stream</a:t>
+            </a:r>
+            <a:endParaRPr lang="en-CA" sz="3550" b="0" strike="noStrike" spc="-1" dirty="0">
               <a:solidFill>
                 <a:srgbClr val="000000"/>
               </a:solidFill>
@@ -6015,12 +5832,30 @@
           <a:fontRef idx="minor"/>
         </p:style>
         <p:txBody>
-          <a:bodyPr lIns="0" tIns="0" rIns="0" bIns="0">
-            <a:normAutofit fontScale="92500" lnSpcReduction="10000"/>
+          <a:bodyPr lIns="0" tIns="0" rIns="0" bIns="0" anchor="t">
+            <a:normAutofit/>
           </a:bodyPr>
           <a:lstStyle/>
           <a:p>
-            <a:pPr marL="432000" indent="-323640">
+            <a:pPr marL="108585">
+              <a:spcAft>
+                <a:spcPts val="1148"/>
+              </a:spcAft>
+              <a:buClr>
+                <a:srgbClr val="000000"/>
+              </a:buClr>
+              <a:buSzPct val="45000"/>
+            </a:pPr>
+            <a:endParaRPr lang="en-CA" sz="2600" spc="-1" dirty="0">
+              <a:uFill>
+                <a:solidFill>
+                  <a:srgbClr val="FFFFFF"/>
+                </a:solidFill>
+              </a:uFill>
+            </a:endParaRPr>
+          </a:p>
+          <a:p>
+            <a:pPr marL="431800" indent="-323215">
               <a:lnSpc>
                 <a:spcPct val="100000"/>
               </a:lnSpc>
@@ -6046,44 +5881,11 @@
                 </a:uFill>
                 <a:latin typeface="Arial"/>
               </a:rPr>
-              <a:t>Depending on your program (CSN/CTY) your courses may include:</a:t>
-            </a:r>
-          </a:p>
-          <a:p>
-            <a:pPr marL="432000" indent="-323640">
-              <a:lnSpc>
-                <a:spcPct val="100000"/>
-              </a:lnSpc>
-              <a:spcAft>
-                <a:spcPts val="1148"/>
-              </a:spcAft>
-              <a:buClr>
-                <a:srgbClr val="000000"/>
-              </a:buClr>
-              <a:buSzPct val="45000"/>
-              <a:buFont typeface="Wingdings" charset="2"/>
-              <a:buChar char=""/>
-            </a:pPr>
-            <a:r>
-              <a:rPr lang="en-CA" sz="2600" b="0" strike="noStrike" spc="-1" dirty="0">
-                <a:solidFill>
-                  <a:srgbClr val="000000"/>
-                </a:solidFill>
-                <a:uFill>
-                  <a:solidFill>
-                    <a:srgbClr val="FFFFFF"/>
-                  </a:solidFill>
-                </a:uFill>
-                <a:latin typeface="Arial"/>
-              </a:rPr>
               <a:t>General Linux System Administration:</a:t>
             </a:r>
           </a:p>
           <a:p>
-            <a:pPr marL="864000" lvl="1" indent="-323640">
-              <a:lnSpc>
-                <a:spcPct val="100000"/>
-              </a:lnSpc>
+            <a:pPr marL="863600" lvl="1" indent="-323215">
               <a:spcAft>
                 <a:spcPts val="918"/>
               </a:spcAft>
@@ -6095,25 +5897,61 @@
               <a:buChar char=""/>
             </a:pPr>
             <a:r>
-              <a:rPr lang="en-CA" sz="2280" b="0" strike="noStrike" spc="-1" dirty="0">
-                <a:solidFill>
-                  <a:srgbClr val="000000"/>
-                </a:solidFill>
-                <a:uFill>
-                  <a:solidFill>
-                    <a:srgbClr val="FFFFFF"/>
-                  </a:solidFill>
-                </a:uFill>
-                <a:latin typeface="Arial"/>
-              </a:rPr>
-              <a:t>OPS245: Linux System Administration fundamentals</a:t>
-            </a:r>
-          </a:p>
-          <a:p>
-            <a:pPr marL="864000" lvl="1" indent="-323640">
-              <a:lnSpc>
-                <a:spcPct val="100000"/>
-              </a:lnSpc>
+              <a:rPr lang="en-CA" sz="2250" spc="-1">
+                <a:solidFill>
+                  <a:srgbClr val="000000"/>
+                </a:solidFill>
+                <a:uFill>
+                  <a:solidFill>
+                    <a:srgbClr val="FFFFFF"/>
+                  </a:solidFill>
+                </a:uFill>
+                <a:latin typeface="Arial"/>
+              </a:rPr>
+              <a:t>OSL740</a:t>
+            </a:r>
+            <a:r>
+              <a:rPr lang="en-CA" sz="2250" b="0" strike="noStrike" spc="-1">
+                <a:solidFill>
+                  <a:srgbClr val="000000"/>
+                </a:solidFill>
+                <a:uFill>
+                  <a:solidFill>
+                    <a:srgbClr val="FFFFFF"/>
+                  </a:solidFill>
+                </a:uFill>
+                <a:latin typeface="Arial"/>
+              </a:rPr>
+              <a:t>: Administration </a:t>
+            </a:r>
+            <a:r>
+              <a:rPr lang="en-CA" sz="2250" spc="-1">
+                <a:solidFill>
+                  <a:srgbClr val="000000"/>
+                </a:solidFill>
+                <a:uFill>
+                  <a:solidFill>
+                    <a:srgbClr val="FFFFFF"/>
+                  </a:solidFill>
+                </a:uFill>
+                <a:latin typeface="Arial"/>
+              </a:rPr>
+              <a:t>of Open Source Systems</a:t>
+            </a:r>
+            <a:endParaRPr lang="en-CA" sz="2250" b="0" strike="noStrike" spc="-1">
+              <a:solidFill>
+                <a:srgbClr val="000000"/>
+              </a:solidFill>
+              <a:uFill>
+                <a:solidFill>
+                  <a:srgbClr val="FFFFFF"/>
+                </a:solidFill>
+              </a:uFill>
+              <a:latin typeface="Arial"/>
+            </a:endParaRPr>
+          </a:p>
+          <a:p>
+            <a:pPr marL="863600" lvl="1" indent="-323215">
               <a:spcAft>
                 <a:spcPts val="918"/>
               </a:spcAft>
@@ -6125,109 +5963,90 @@
               <a:buChar char=""/>
             </a:pPr>
             <a:r>
-              <a:rPr lang="en-CA" sz="2280" b="0" strike="noStrike" spc="-1" dirty="0">
-                <a:solidFill>
-                  <a:srgbClr val="000000"/>
-                </a:solidFill>
-                <a:uFill>
-                  <a:solidFill>
-                    <a:srgbClr val="FFFFFF"/>
-                  </a:solidFill>
-                </a:uFill>
-                <a:latin typeface="Arial"/>
-              </a:rPr>
-              <a:t>OPS345: Maintaining Linux Network Services</a:t>
-            </a:r>
-          </a:p>
-          <a:p>
-            <a:pPr marL="432000" indent="-323640">
-              <a:lnSpc>
-                <a:spcPct val="100000"/>
-              </a:lnSpc>
-              <a:spcAft>
-                <a:spcPts val="1148"/>
-              </a:spcAft>
-              <a:buClr>
-                <a:srgbClr val="000000"/>
-              </a:buClr>
-              <a:buSzPct val="45000"/>
-              <a:buFont typeface="Wingdings" charset="2"/>
-              <a:buChar char=""/>
-            </a:pPr>
-            <a:r>
-              <a:rPr lang="en-CA" sz="2600" b="0" strike="noStrike" spc="-1" dirty="0">
-                <a:solidFill>
-                  <a:srgbClr val="000000"/>
-                </a:solidFill>
-                <a:uFill>
-                  <a:solidFill>
-                    <a:srgbClr val="FFFFFF"/>
-                  </a:solidFill>
-                </a:uFill>
-                <a:latin typeface="Arial"/>
-              </a:rPr>
-              <a:t>Advanced Administration and Deployment:</a:t>
-            </a:r>
-          </a:p>
-          <a:p>
-            <a:pPr marL="864000" lvl="1" indent="-323640">
-              <a:lnSpc>
-                <a:spcPct val="100000"/>
-              </a:lnSpc>
-              <a:spcAft>
-                <a:spcPts val="918"/>
-              </a:spcAft>
-              <a:buClr>
-                <a:srgbClr val="000000"/>
-              </a:buClr>
-              <a:buSzPct val="75000"/>
-              <a:buFont typeface="Symbol"/>
-              <a:buChar char=""/>
-            </a:pPr>
-            <a:r>
-              <a:rPr lang="en-CA" sz="2280" b="0" strike="noStrike" spc="-1" dirty="0">
-                <a:solidFill>
-                  <a:srgbClr val="000000"/>
-                </a:solidFill>
-                <a:uFill>
-                  <a:solidFill>
-                    <a:srgbClr val="FFFFFF"/>
-                  </a:solidFill>
-                </a:uFill>
-                <a:latin typeface="Arial"/>
-              </a:rPr>
-              <a:t>OPS535: Open System Clustering &amp; Advanced Network Admin</a:t>
-            </a:r>
-          </a:p>
-          <a:p>
-            <a:pPr marL="864000" lvl="1" indent="-323640">
-              <a:lnSpc>
-                <a:spcPct val="100000"/>
-              </a:lnSpc>
-              <a:spcAft>
-                <a:spcPts val="918"/>
-              </a:spcAft>
-              <a:buClr>
-                <a:srgbClr val="000000"/>
-              </a:buClr>
-              <a:buSzPct val="75000"/>
-              <a:buFont typeface="Symbol"/>
-              <a:buChar char=""/>
-            </a:pPr>
-            <a:r>
-              <a:rPr lang="en-CA" sz="2280" b="0" strike="noStrike" spc="-1" dirty="0">
-                <a:solidFill>
-                  <a:srgbClr val="000000"/>
-                </a:solidFill>
-                <a:uFill>
-                  <a:solidFill>
-                    <a:srgbClr val="FFFFFF"/>
-                  </a:solidFill>
-                </a:uFill>
-                <a:latin typeface="Arial"/>
-              </a:rPr>
-              <a:t>OPS635: Enterprise Management – Emerging Technology</a:t>
-            </a:r>
+              <a:rPr lang="en-CA" sz="2250" spc="-1" dirty="0">
+                <a:solidFill>
+                  <a:srgbClr val="000000"/>
+                </a:solidFill>
+                <a:uFill>
+                  <a:solidFill>
+                    <a:srgbClr val="FFFFFF"/>
+                  </a:solidFill>
+                </a:uFill>
+                <a:latin typeface="Arial"/>
+              </a:rPr>
+              <a:t>OSL840</a:t>
+            </a:r>
+            <a:r>
+              <a:rPr lang="en-CA" sz="2250" b="0" strike="noStrike" spc="-1" dirty="0">
+                <a:solidFill>
+                  <a:srgbClr val="000000"/>
+                </a:solidFill>
+                <a:uFill>
+                  <a:solidFill>
+                    <a:srgbClr val="FFFFFF"/>
+                  </a:solidFill>
+                </a:uFill>
+                <a:latin typeface="Arial"/>
+              </a:rPr>
+              <a:t>: </a:t>
+            </a:r>
+            <a:r>
+              <a:rPr lang="en-CA" sz="2250" spc="-1">
+                <a:solidFill>
+                  <a:srgbClr val="000000"/>
+                </a:solidFill>
+                <a:uFill>
+                  <a:solidFill>
+                    <a:srgbClr val="FFFFFF"/>
+                  </a:solidFill>
+                </a:uFill>
+                <a:latin typeface="Arial"/>
+                <a:cs typeface="Arial"/>
+              </a:rPr>
+              <a:t>Advanced </a:t>
+            </a:r>
+            <a:r>
+              <a:rPr lang="en-CA" sz="2300" spc="-1">
+                <a:solidFill>
+                  <a:srgbClr val="000000"/>
+                </a:solidFill>
+                <a:uFill>
+                  <a:solidFill>
+                    <a:srgbClr val="FFFFFF"/>
+                  </a:solidFill>
+                </a:uFill>
+                <a:latin typeface="Arial"/>
+                <a:cs typeface="Arial"/>
+              </a:rPr>
+              <a:t>Administration of </a:t>
+            </a:r>
+            <a:r>
+              <a:rPr lang="en-CA" sz="2300" spc="-1" dirty="0">
+                <a:solidFill>
+                  <a:srgbClr val="000000"/>
+                </a:solidFill>
+                <a:uFill>
+                  <a:solidFill>
+                    <a:srgbClr val="FFFFFF"/>
+                  </a:solidFill>
+                </a:uFill>
+                <a:latin typeface="Arial"/>
+                <a:cs typeface="Arial"/>
+              </a:rPr>
+              <a:t>Open Source Systems</a:t>
+            </a:r>
+            <a:endParaRPr lang="en-CA" sz="2300" b="0" strike="noStrike" spc="-1" dirty="0">
+              <a:solidFill>
+                <a:srgbClr val="000000"/>
+              </a:solidFill>
+              <a:uFill>
+                <a:solidFill>
+                  <a:srgbClr val="FFFFFF"/>
+                </a:solidFill>
+              </a:uFill>
+              <a:latin typeface="Arial"/>
+              <a:cs typeface="Arial"/>
+            </a:endParaRPr>
           </a:p>
         </p:txBody>
       </p:sp>
@@ -6285,7 +6104,7 @@
       </p:grpSpPr>
       <p:sp>
         <p:nvSpPr>
-          <p:cNvPr id="85" name="CustomShape 1"/>
+          <p:cNvPr id="87" name="CustomShape 1"/>
           <p:cNvSpPr/>
           <p:nvPr/>
         </p:nvSpPr>
@@ -6319,20 +6138,34 @@
           <a:lstStyle/>
           <a:p>
             <a:r>
-              <a:rPr lang="en-CA" sz="3570" b="0" strike="noStrike" spc="-1">
-                <a:solidFill>
-                  <a:srgbClr val="FFFFFF"/>
-                </a:solidFill>
-                <a:uFill>
-                  <a:solidFill>
-                    <a:srgbClr val="FFFFFF"/>
-                  </a:solidFill>
-                </a:uFill>
-                <a:latin typeface="Arial"/>
-              </a:rPr>
-              <a:t>Additional Courses</a:t>
-            </a:r>
-            <a:endParaRPr lang="en-CA" sz="3570" b="0" strike="noStrike" spc="-1">
+              <a:rPr lang="en-CA" sz="3550" spc="-1" dirty="0">
+                <a:solidFill>
+                  <a:srgbClr val="FFFFFF"/>
+                </a:solidFill>
+                <a:uFill>
+                  <a:solidFill>
+                    <a:srgbClr val="FFFFFF"/>
+                  </a:solidFill>
+                </a:uFill>
+                <a:latin typeface="Arial"/>
+              </a:rPr>
+              <a:t>OSL740</a:t>
+            </a:r>
+            <a:r>
+              <a:rPr lang="en-CA" sz="3550" b="0" strike="noStrike" spc="-1" dirty="0">
+                <a:solidFill>
+                  <a:srgbClr val="FFFFFF"/>
+                </a:solidFill>
+                <a:uFill>
+                  <a:solidFill>
+                    <a:srgbClr val="FFFFFF"/>
+                  </a:solidFill>
+                </a:uFill>
+                <a:latin typeface="Arial"/>
+              </a:rPr>
+              <a:t> Fundamentals</a:t>
+            </a:r>
+            <a:endParaRPr lang="en-CA" sz="3550" b="0" strike="noStrike" spc="-1" dirty="0">
               <a:solidFill>
                 <a:srgbClr val="000000"/>
               </a:solidFill>
@@ -6348,7 +6181,7 @@
       </p:sp>
       <p:sp>
         <p:nvSpPr>
-          <p:cNvPr id="86" name="CustomShape 2"/>
+          <p:cNvPr id="88" name="CustomShape 2"/>
           <p:cNvSpPr/>
           <p:nvPr/>
         </p:nvSpPr>
@@ -6378,12 +6211,12 @@
           <a:fontRef idx="minor"/>
         </p:style>
         <p:txBody>
-          <a:bodyPr lIns="0" tIns="0" rIns="0" bIns="0">
-            <a:normAutofit/>
+          <a:bodyPr lIns="0" tIns="0" rIns="0" bIns="0" anchor="t">
+            <a:normAutofit fontScale="77500" lnSpcReduction="20000"/>
           </a:bodyPr>
           <a:lstStyle/>
           <a:p>
-            <a:pPr marL="432000" indent="-323640">
+            <a:pPr marL="431800" indent="-323215">
               <a:lnSpc>
                 <a:spcPct val="100000"/>
               </a:lnSpc>
@@ -6398,6 +6231,20 @@
               <a:buChar char=""/>
             </a:pPr>
             <a:r>
+              <a:rPr lang="en-CA" sz="2600" spc="-1" dirty="0">
+                <a:solidFill>
+                  <a:srgbClr val="000000"/>
+                </a:solidFill>
+                <a:uFill>
+                  <a:solidFill>
+                    <a:srgbClr val="FFFFFF"/>
+                  </a:solidFill>
+                </a:uFill>
+                <a:latin typeface="Arial"/>
+              </a:rPr>
+              <a:t>OSL740</a:t>
+            </a:r>
+            <a:r>
               <a:rPr lang="en-CA" sz="2600" b="0" strike="noStrike" spc="-1" dirty="0">
                 <a:solidFill>
                   <a:srgbClr val="000000"/>
@@ -6409,11 +6256,70 @@
                 </a:uFill>
                 <a:latin typeface="Arial"/>
               </a:rPr>
-              <a:t>Other courses in your program may build on these skills (e.g. CPO500) or require the knowledge to set up and administer Linux servers:</a:t>
-            </a:r>
-          </a:p>
-          <a:p>
-            <a:pPr marL="864000" lvl="1" indent="-323640">
+              <a:t> is considered a Linux administration </a:t>
+            </a:r>
+            <a:r>
+              <a:rPr lang="en-CA" sz="2600" b="1" strike="noStrike" spc="-1" dirty="0">
+                <a:solidFill>
+                  <a:srgbClr val="000000"/>
+                </a:solidFill>
+                <a:uFill>
+                  <a:solidFill>
+                    <a:srgbClr val="FFFFFF"/>
+                  </a:solidFill>
+                </a:uFill>
+                <a:latin typeface="Arial"/>
+              </a:rPr>
+              <a:t>foundations</a:t>
+            </a:r>
+            <a:r>
+              <a:rPr lang="en-CA" sz="2600" b="0" strike="noStrike" spc="-1" dirty="0">
+                <a:solidFill>
+                  <a:srgbClr val="000000"/>
+                </a:solidFill>
+                <a:uFill>
+                  <a:solidFill>
+                    <a:srgbClr val="FFFFFF"/>
+                  </a:solidFill>
+                </a:uFill>
+                <a:latin typeface="Arial"/>
+              </a:rPr>
+              <a:t> course.</a:t>
+            </a:r>
+            <a:endParaRPr lang="en-US" dirty="0"/>
+          </a:p>
+          <a:p>
+            <a:pPr marL="431800" indent="-323215">
+              <a:lnSpc>
+                <a:spcPct val="100000"/>
+              </a:lnSpc>
+              <a:spcAft>
+                <a:spcPts val="1148"/>
+              </a:spcAft>
+              <a:buClr>
+                <a:srgbClr val="000000"/>
+              </a:buClr>
+              <a:buSzPct val="45000"/>
+              <a:buFont typeface="Wingdings" charset="2"/>
+              <a:buChar char=""/>
+            </a:pPr>
+            <a:r>
+              <a:rPr lang="en-CA" sz="2600" b="0" strike="noStrike" spc="-1" dirty="0">
+                <a:solidFill>
+                  <a:srgbClr val="000000"/>
+                </a:solidFill>
+                <a:uFill>
+                  <a:solidFill>
+                    <a:srgbClr val="FFFFFF"/>
+                  </a:solidFill>
+                </a:uFill>
+                <a:latin typeface="Arial"/>
+              </a:rPr>
+              <a:t>You will learn key skills you will use and build on throughout your career:</a:t>
+            </a:r>
+          </a:p>
+          <a:p>
+            <a:pPr marL="863600" lvl="1" indent="-323215">
               <a:lnSpc>
                 <a:spcPct val="100000"/>
               </a:lnSpc>
@@ -6428,22 +6334,22 @@
               <a:buChar char=""/>
             </a:pPr>
             <a:r>
-              <a:rPr lang="en-CA" sz="2280" b="0" strike="noStrike" spc="-1" dirty="0">
-                <a:solidFill>
-                  <a:srgbClr val="000000"/>
-                </a:solidFill>
-                <a:uFill>
-                  <a:solidFill>
-                    <a:srgbClr val="FFFFFF"/>
-                  </a:solidFill>
-                </a:uFill>
-                <a:latin typeface="Arial"/>
-              </a:rPr>
-              <a:t>CSN500</a:t>
-            </a:r>
-          </a:p>
-          <a:p>
-            <a:pPr marL="864000" lvl="1" indent="-323640">
+              <a:rPr lang="en-CA" sz="2250" b="0" strike="noStrike" spc="-1" dirty="0">
+                <a:solidFill>
+                  <a:srgbClr val="000000"/>
+                </a:solidFill>
+                <a:uFill>
+                  <a:solidFill>
+                    <a:srgbClr val="FFFFFF"/>
+                  </a:solidFill>
+                </a:uFill>
+                <a:latin typeface="Arial"/>
+              </a:rPr>
+              <a:t>Various methods of installing Linux systems</a:t>
+            </a:r>
+          </a:p>
+          <a:p>
+            <a:pPr marL="863600" lvl="1" indent="-323215">
               <a:lnSpc>
                 <a:spcPct val="100000"/>
               </a:lnSpc>
@@ -6458,18 +6364,198 @@
               <a:buChar char=""/>
             </a:pPr>
             <a:r>
-              <a:rPr lang="en-CA" sz="2280" b="0" strike="noStrike" spc="-1" dirty="0">
-                <a:solidFill>
-                  <a:srgbClr val="000000"/>
-                </a:solidFill>
-                <a:uFill>
-                  <a:solidFill>
-                    <a:srgbClr val="FFFFFF"/>
-                  </a:solidFill>
-                </a:uFill>
-                <a:latin typeface="Arial"/>
-              </a:rPr>
-              <a:t>APL701</a:t>
+              <a:rPr lang="en-CA" sz="2250" b="0" strike="noStrike" spc="-1" dirty="0">
+                <a:solidFill>
+                  <a:srgbClr val="000000"/>
+                </a:solidFill>
+                <a:uFill>
+                  <a:solidFill>
+                    <a:srgbClr val="FFFFFF"/>
+                  </a:solidFill>
+                </a:uFill>
+                <a:latin typeface="Arial"/>
+              </a:rPr>
+              <a:t>Managing Virtual Machines</a:t>
+            </a:r>
+          </a:p>
+          <a:p>
+            <a:pPr marL="863600" lvl="1" indent="-323215">
+              <a:lnSpc>
+                <a:spcPct val="100000"/>
+              </a:lnSpc>
+              <a:spcAft>
+                <a:spcPts val="918"/>
+              </a:spcAft>
+              <a:buClr>
+                <a:srgbClr val="000000"/>
+              </a:buClr>
+              <a:buSzPct val="75000"/>
+              <a:buFont typeface="Symbol"/>
+              <a:buChar char=""/>
+            </a:pPr>
+            <a:r>
+              <a:rPr lang="en-CA" sz="2250" b="0" strike="noStrike" spc="-1" dirty="0">
+                <a:solidFill>
+                  <a:srgbClr val="000000"/>
+                </a:solidFill>
+                <a:uFill>
+                  <a:solidFill>
+                    <a:srgbClr val="FFFFFF"/>
+                  </a:solidFill>
+                </a:uFill>
+                <a:latin typeface="Arial"/>
+              </a:rPr>
+              <a:t>Rescuing Linux servers</a:t>
+            </a:r>
+          </a:p>
+          <a:p>
+            <a:pPr marL="863600" lvl="1" indent="-323215">
+              <a:lnSpc>
+                <a:spcPct val="100000"/>
+              </a:lnSpc>
+              <a:spcAft>
+                <a:spcPts val="918"/>
+              </a:spcAft>
+              <a:buClr>
+                <a:srgbClr val="000000"/>
+              </a:buClr>
+              <a:buSzPct val="75000"/>
+              <a:buFont typeface="Symbol"/>
+              <a:buChar char=""/>
+            </a:pPr>
+            <a:r>
+              <a:rPr lang="en-CA" sz="2250" b="0" strike="noStrike" spc="-1" dirty="0">
+                <a:solidFill>
+                  <a:srgbClr val="000000"/>
+                </a:solidFill>
+                <a:uFill>
+                  <a:solidFill>
+                    <a:srgbClr val="FFFFFF"/>
+                  </a:solidFill>
+                </a:uFill>
+                <a:latin typeface="Arial"/>
+              </a:rPr>
+              <a:t>Managing Software</a:t>
+            </a:r>
+          </a:p>
+          <a:p>
+            <a:pPr marL="863600" lvl="1" indent="-323215">
+              <a:lnSpc>
+                <a:spcPct val="100000"/>
+              </a:lnSpc>
+              <a:spcAft>
+                <a:spcPts val="918"/>
+              </a:spcAft>
+              <a:buClr>
+                <a:srgbClr val="000000"/>
+              </a:buClr>
+              <a:buSzPct val="75000"/>
+              <a:buFont typeface="Symbol"/>
+              <a:buChar char=""/>
+            </a:pPr>
+            <a:r>
+              <a:rPr lang="en-CA" sz="2250" b="0" strike="noStrike" spc="-1" dirty="0">
+                <a:solidFill>
+                  <a:srgbClr val="000000"/>
+                </a:solidFill>
+                <a:uFill>
+                  <a:solidFill>
+                    <a:srgbClr val="FFFFFF"/>
+                  </a:solidFill>
+                </a:uFill>
+                <a:latin typeface="Arial"/>
+              </a:rPr>
+              <a:t>Managing Services</a:t>
+            </a:r>
+          </a:p>
+          <a:p>
+            <a:pPr marL="863600" lvl="1" indent="-323215">
+              <a:lnSpc>
+                <a:spcPct val="100000"/>
+              </a:lnSpc>
+              <a:spcAft>
+                <a:spcPts val="918"/>
+              </a:spcAft>
+              <a:buClr>
+                <a:srgbClr val="000000"/>
+              </a:buClr>
+              <a:buSzPct val="75000"/>
+              <a:buFont typeface="Symbol"/>
+              <a:buChar char=""/>
+            </a:pPr>
+            <a:r>
+              <a:rPr lang="en-CA" sz="2250" b="0" strike="noStrike" spc="-1" dirty="0">
+                <a:solidFill>
+                  <a:srgbClr val="000000"/>
+                </a:solidFill>
+                <a:uFill>
+                  <a:solidFill>
+                    <a:srgbClr val="FFFFFF"/>
+                  </a:solidFill>
+                </a:uFill>
+                <a:latin typeface="Arial"/>
+              </a:rPr>
+              <a:t>Managing Disk Space</a:t>
+            </a:r>
+          </a:p>
+          <a:p>
+            <a:pPr marL="863600" lvl="1" indent="-323215">
+              <a:lnSpc>
+                <a:spcPct val="100000"/>
+              </a:lnSpc>
+              <a:spcAft>
+                <a:spcPts val="918"/>
+              </a:spcAft>
+              <a:buClr>
+                <a:srgbClr val="000000"/>
+              </a:buClr>
+              <a:buSzPct val="75000"/>
+              <a:buFont typeface="Symbol"/>
+              <a:buChar char=""/>
+            </a:pPr>
+            <a:r>
+              <a:rPr lang="en-CA" sz="2250" b="0" strike="noStrike" spc="-1" dirty="0">
+                <a:solidFill>
+                  <a:srgbClr val="000000"/>
+                </a:solidFill>
+                <a:uFill>
+                  <a:solidFill>
+                    <a:srgbClr val="FFFFFF"/>
+                  </a:solidFill>
+                </a:uFill>
+                <a:latin typeface="Arial"/>
+              </a:rPr>
+              <a:t>Managing Linux User Accounts</a:t>
+            </a:r>
+          </a:p>
+          <a:p>
+            <a:pPr marL="863600" lvl="1" indent="-323215">
+              <a:lnSpc>
+                <a:spcPct val="100000"/>
+              </a:lnSpc>
+              <a:spcAft>
+                <a:spcPts val="918"/>
+              </a:spcAft>
+              <a:buClr>
+                <a:srgbClr val="000000"/>
+              </a:buClr>
+              <a:buSzPct val="75000"/>
+              <a:buFont typeface="Symbol"/>
+              <a:buChar char=""/>
+            </a:pPr>
+            <a:r>
+              <a:rPr lang="en-CA" sz="2250" b="0" strike="noStrike" spc="-1" dirty="0">
+                <a:solidFill>
+                  <a:srgbClr val="000000"/>
+                </a:solidFill>
+                <a:uFill>
+                  <a:solidFill>
+                    <a:srgbClr val="FFFFFF"/>
+                  </a:solidFill>
+                </a:uFill>
+                <a:latin typeface="Arial"/>
+              </a:rPr>
+              <a:t>Troubleshooting Network Issues</a:t>
             </a:r>
           </a:p>
         </p:txBody>
@@ -6528,7 +6614,7 @@
       </p:grpSpPr>
       <p:sp>
         <p:nvSpPr>
-          <p:cNvPr id="87" name="CustomShape 1"/>
+          <p:cNvPr id="89" name="CustomShape 1"/>
           <p:cNvSpPr/>
           <p:nvPr/>
         </p:nvSpPr>
@@ -6562,20 +6648,34 @@
           <a:lstStyle/>
           <a:p>
             <a:r>
-              <a:rPr lang="en-CA" sz="3570" b="0" strike="noStrike" spc="-1">
-                <a:solidFill>
-                  <a:srgbClr val="FFFFFF"/>
-                </a:solidFill>
-                <a:uFill>
-                  <a:solidFill>
-                    <a:srgbClr val="FFFFFF"/>
-                  </a:solidFill>
-                </a:uFill>
-                <a:latin typeface="Arial"/>
-              </a:rPr>
-              <a:t>OPS245 Fundamentals</a:t>
-            </a:r>
-            <a:endParaRPr lang="en-CA" sz="3570" b="0" strike="noStrike" spc="-1">
+              <a:rPr lang="en-CA" sz="3550" spc="-1" dirty="0">
+                <a:solidFill>
+                  <a:srgbClr val="FFFFFF"/>
+                </a:solidFill>
+                <a:uFill>
+                  <a:solidFill>
+                    <a:srgbClr val="FFFFFF"/>
+                  </a:solidFill>
+                </a:uFill>
+                <a:latin typeface="Arial"/>
+              </a:rPr>
+              <a:t>OSL740</a:t>
+            </a:r>
+            <a:r>
+              <a:rPr lang="en-CA" sz="3550" b="0" strike="noStrike" spc="-1" dirty="0">
+                <a:solidFill>
+                  <a:srgbClr val="FFFFFF"/>
+                </a:solidFill>
+                <a:uFill>
+                  <a:solidFill>
+                    <a:srgbClr val="FFFFFF"/>
+                  </a:solidFill>
+                </a:uFill>
+                <a:latin typeface="Arial"/>
+              </a:rPr>
+              <a:t> Skills</a:t>
+            </a:r>
+            <a:endParaRPr lang="en-CA" sz="3550" b="0" strike="noStrike" spc="-1" dirty="0">
               <a:solidFill>
                 <a:srgbClr val="000000"/>
               </a:solidFill>
@@ -6591,7 +6691,7 @@
       </p:sp>
       <p:sp>
         <p:nvSpPr>
-          <p:cNvPr id="88" name="CustomShape 2"/>
+          <p:cNvPr id="90" name="CustomShape 2"/>
           <p:cNvSpPr/>
           <p:nvPr/>
         </p:nvSpPr>
@@ -6621,12 +6721,12 @@
           <a:fontRef idx="minor"/>
         </p:style>
         <p:txBody>
-          <a:bodyPr lIns="0" tIns="0" rIns="0" bIns="0">
-            <a:normAutofit fontScale="70000" lnSpcReduction="20000"/>
+          <a:bodyPr lIns="0" tIns="0" rIns="0" bIns="0" anchor="t">
+            <a:normAutofit lnSpcReduction="10000"/>
           </a:bodyPr>
           <a:lstStyle/>
           <a:p>
-            <a:pPr marL="432000" indent="-323640">
+            <a:pPr marL="431800" indent="-323215">
               <a:lnSpc>
                 <a:spcPct val="100000"/>
               </a:lnSpc>
@@ -6652,39 +6752,12 @@
                 </a:uFill>
                 <a:latin typeface="Arial"/>
               </a:rPr>
-              <a:t>OPS245 is considered a Linux administration </a:t>
-            </a:r>
-            <a:r>
-              <a:rPr lang="en-CA" sz="2600" b="1" strike="noStrike" spc="-1">
-                <a:solidFill>
-                  <a:srgbClr val="000000"/>
-                </a:solidFill>
-                <a:uFill>
-                  <a:solidFill>
-                    <a:srgbClr val="FFFFFF"/>
-                  </a:solidFill>
-                </a:uFill>
-                <a:latin typeface="Arial"/>
-              </a:rPr>
-              <a:t>foundations</a:t>
-            </a:r>
-            <a:r>
-              <a:rPr lang="en-CA" sz="2600" b="0" strike="noStrike" spc="-1">
-                <a:solidFill>
-                  <a:srgbClr val="000000"/>
-                </a:solidFill>
-                <a:uFill>
-                  <a:solidFill>
-                    <a:srgbClr val="FFFFFF"/>
-                  </a:solidFill>
-                </a:uFill>
-                <a:latin typeface="Arial"/>
-              </a:rPr>
-              <a:t> course.</a:t>
-            </a:r>
-          </a:p>
-          <a:p>
-            <a:pPr marL="432000" indent="-323640">
+              <a:t>In addition to manually performing all the tasks on the previous slide, you will learn how to use scripts to automate them.</a:t>
+            </a:r>
+            <a:endParaRPr lang="en-US"/>
+          </a:p>
+          <a:p>
+            <a:pPr marL="431800" indent="-323215">
               <a:lnSpc>
                 <a:spcPct val="100000"/>
               </a:lnSpc>
@@ -6699,22 +6772,92 @@
               <a:buChar char=""/>
             </a:pPr>
             <a:r>
-              <a:rPr lang="en-CA" sz="2600" b="0" strike="noStrike" spc="-1">
-                <a:solidFill>
-                  <a:srgbClr val="000000"/>
-                </a:solidFill>
-                <a:uFill>
-                  <a:solidFill>
-                    <a:srgbClr val="FFFFFF"/>
-                  </a:solidFill>
-                </a:uFill>
-                <a:latin typeface="Arial"/>
-              </a:rPr>
-              <a:t>You will learn key skills you will use and build on throughout your career:</a:t>
-            </a:r>
-          </a:p>
-          <a:p>
-            <a:pPr marL="864000" lvl="1" indent="-323640">
+              <a:rPr lang="en-CA" sz="2600" b="0" strike="noStrike" spc="-1" dirty="0">
+                <a:solidFill>
+                  <a:srgbClr val="000000"/>
+                </a:solidFill>
+                <a:uFill>
+                  <a:solidFill>
+                    <a:srgbClr val="FFFFFF"/>
+                  </a:solidFill>
+                </a:uFill>
+                <a:latin typeface="Arial"/>
+              </a:rPr>
+              <a:t>Scripting will be essential to you as an administrator.</a:t>
+            </a:r>
+          </a:p>
+          <a:p>
+            <a:pPr marL="431800" indent="-323215">
+              <a:spcAft>
+                <a:spcPts val="1148"/>
+              </a:spcAft>
+              <a:buClr>
+                <a:srgbClr val="000000"/>
+              </a:buClr>
+              <a:buSzPct val="45000"/>
+              <a:buFont typeface="Wingdings" charset="2"/>
+              <a:buChar char=""/>
+            </a:pPr>
+            <a:r>
+              <a:rPr lang="en-CA" sz="2600" b="0" strike="noStrike" spc="-1" dirty="0">
+                <a:solidFill>
+                  <a:srgbClr val="000000"/>
+                </a:solidFill>
+                <a:uFill>
+                  <a:solidFill>
+                    <a:srgbClr val="FFFFFF"/>
+                  </a:solidFill>
+                </a:uFill>
+                <a:latin typeface="Arial"/>
+              </a:rPr>
+              <a:t>While you will not master </a:t>
+            </a:r>
+            <a:r>
+              <a:rPr lang="en-CA" sz="2600" spc="-1" dirty="0">
+                <a:solidFill>
+                  <a:srgbClr val="000000"/>
+                </a:solidFill>
+                <a:uFill>
+                  <a:solidFill>
+                    <a:srgbClr val="FFFFFF"/>
+                  </a:solidFill>
+                </a:uFill>
+                <a:latin typeface="Arial"/>
+                <a:cs typeface="Arial"/>
+              </a:rPr>
+              <a:t>BASH </a:t>
+            </a:r>
+            <a:r>
+              <a:rPr lang="en-CA" sz="2600" spc="-1" dirty="0">
+                <a:solidFill>
+                  <a:srgbClr val="000000"/>
+                </a:solidFill>
+                <a:uFill>
+                  <a:solidFill>
+                    <a:srgbClr val="FFFFFF"/>
+                  </a:solidFill>
+                </a:uFill>
+                <a:latin typeface="Arial"/>
+              </a:rPr>
+              <a:t>scripting</a:t>
+            </a:r>
+            <a:r>
+              <a:rPr lang="en-CA" sz="2600" b="0" strike="noStrike" spc="-1" dirty="0">
+                <a:solidFill>
+                  <a:srgbClr val="000000"/>
+                </a:solidFill>
+                <a:uFill>
+                  <a:solidFill>
+                    <a:srgbClr val="FFFFFF"/>
+                  </a:solidFill>
+                </a:uFill>
+                <a:latin typeface="Arial"/>
+              </a:rPr>
+              <a:t> in this course, you will learn fundamental skills.</a:t>
+            </a:r>
+          </a:p>
+          <a:p>
+            <a:pPr marL="863600" lvl="1" indent="-323215">
               <a:lnSpc>
                 <a:spcPct val="100000"/>
               </a:lnSpc>
@@ -6729,228 +6872,46 @@
               <a:buChar char=""/>
             </a:pPr>
             <a:r>
-              <a:rPr lang="en-CA" sz="2280" b="0" strike="noStrike" spc="-1">
-                <a:solidFill>
-                  <a:srgbClr val="000000"/>
-                </a:solidFill>
-                <a:uFill>
-                  <a:solidFill>
-                    <a:srgbClr val="FFFFFF"/>
-                  </a:solidFill>
-                </a:uFill>
-                <a:latin typeface="Arial"/>
-              </a:rPr>
-              <a:t>Various methods of installing Linux systems</a:t>
-            </a:r>
-          </a:p>
-          <a:p>
-            <a:pPr marL="864000" lvl="1" indent="-323640">
-              <a:lnSpc>
-                <a:spcPct val="100000"/>
-              </a:lnSpc>
-              <a:spcAft>
-                <a:spcPts val="918"/>
-              </a:spcAft>
-              <a:buClr>
-                <a:srgbClr val="000000"/>
-              </a:buClr>
-              <a:buSzPct val="75000"/>
-              <a:buFont typeface="Symbol"/>
-              <a:buChar char=""/>
-            </a:pPr>
-            <a:r>
-              <a:rPr lang="en-CA" sz="2280" b="0" strike="noStrike" spc="-1">
-                <a:solidFill>
-                  <a:srgbClr val="000000"/>
-                </a:solidFill>
-                <a:uFill>
-                  <a:solidFill>
-                    <a:srgbClr val="FFFFFF"/>
-                  </a:solidFill>
-                </a:uFill>
-                <a:latin typeface="Arial"/>
-              </a:rPr>
-              <a:t>Managing Virtual Machines</a:t>
-            </a:r>
-          </a:p>
-          <a:p>
-            <a:pPr marL="864000" lvl="1" indent="-323640">
-              <a:lnSpc>
-                <a:spcPct val="100000"/>
-              </a:lnSpc>
-              <a:spcAft>
-                <a:spcPts val="918"/>
-              </a:spcAft>
-              <a:buClr>
-                <a:srgbClr val="000000"/>
-              </a:buClr>
-              <a:buSzPct val="75000"/>
-              <a:buFont typeface="Symbol"/>
-              <a:buChar char=""/>
-            </a:pPr>
-            <a:r>
-              <a:rPr lang="en-CA" sz="2280" b="0" strike="noStrike" spc="-1">
-                <a:solidFill>
-                  <a:srgbClr val="000000"/>
-                </a:solidFill>
-                <a:uFill>
-                  <a:solidFill>
-                    <a:srgbClr val="FFFFFF"/>
-                  </a:solidFill>
-                </a:uFill>
-                <a:latin typeface="Arial"/>
-              </a:rPr>
-              <a:t>Rescuing Linux servers</a:t>
-            </a:r>
-          </a:p>
-          <a:p>
-            <a:pPr marL="864000" lvl="1" indent="-323640">
-              <a:lnSpc>
-                <a:spcPct val="100000"/>
-              </a:lnSpc>
-              <a:spcAft>
-                <a:spcPts val="918"/>
-              </a:spcAft>
-              <a:buClr>
-                <a:srgbClr val="000000"/>
-              </a:buClr>
-              <a:buSzPct val="75000"/>
-              <a:buFont typeface="Symbol"/>
-              <a:buChar char=""/>
-            </a:pPr>
-            <a:r>
-              <a:rPr lang="en-CA" sz="2280" b="0" strike="noStrike" spc="-1">
-                <a:solidFill>
-                  <a:srgbClr val="000000"/>
-                </a:solidFill>
-                <a:uFill>
-                  <a:solidFill>
-                    <a:srgbClr val="FFFFFF"/>
-                  </a:solidFill>
-                </a:uFill>
-                <a:latin typeface="Arial"/>
-              </a:rPr>
-              <a:t>Managing Software</a:t>
-            </a:r>
-          </a:p>
-          <a:p>
-            <a:pPr marL="864000" lvl="1" indent="-323640">
-              <a:lnSpc>
-                <a:spcPct val="100000"/>
-              </a:lnSpc>
-              <a:spcAft>
-                <a:spcPts val="918"/>
-              </a:spcAft>
-              <a:buClr>
-                <a:srgbClr val="000000"/>
-              </a:buClr>
-              <a:buSzPct val="75000"/>
-              <a:buFont typeface="Symbol"/>
-              <a:buChar char=""/>
-            </a:pPr>
-            <a:r>
-              <a:rPr lang="en-CA" sz="2280" b="0" strike="noStrike" spc="-1">
-                <a:solidFill>
-                  <a:srgbClr val="000000"/>
-                </a:solidFill>
-                <a:uFill>
-                  <a:solidFill>
-                    <a:srgbClr val="FFFFFF"/>
-                  </a:solidFill>
-                </a:uFill>
-                <a:latin typeface="Arial"/>
-              </a:rPr>
-              <a:t>Managing Services</a:t>
-            </a:r>
-          </a:p>
-          <a:p>
-            <a:pPr marL="864000" lvl="1" indent="-323640">
-              <a:lnSpc>
-                <a:spcPct val="100000"/>
-              </a:lnSpc>
-              <a:spcAft>
-                <a:spcPts val="918"/>
-              </a:spcAft>
-              <a:buClr>
-                <a:srgbClr val="000000"/>
-              </a:buClr>
-              <a:buSzPct val="75000"/>
-              <a:buFont typeface="Symbol"/>
-              <a:buChar char=""/>
-            </a:pPr>
-            <a:r>
-              <a:rPr lang="en-CA" sz="2280" b="0" strike="noStrike" spc="-1">
-                <a:solidFill>
-                  <a:srgbClr val="000000"/>
-                </a:solidFill>
-                <a:uFill>
-                  <a:solidFill>
-                    <a:srgbClr val="FFFFFF"/>
-                  </a:solidFill>
-                </a:uFill>
-                <a:latin typeface="Arial"/>
-              </a:rPr>
-              <a:t>Managing Disk Space</a:t>
-            </a:r>
-          </a:p>
-          <a:p>
-            <a:pPr marL="864000" lvl="1" indent="-323640">
-              <a:lnSpc>
-                <a:spcPct val="100000"/>
-              </a:lnSpc>
-              <a:spcAft>
-                <a:spcPts val="918"/>
-              </a:spcAft>
-              <a:buClr>
-                <a:srgbClr val="000000"/>
-              </a:buClr>
-              <a:buSzPct val="75000"/>
-              <a:buFont typeface="Symbol"/>
-              <a:buChar char=""/>
-            </a:pPr>
-            <a:r>
-              <a:rPr lang="en-CA" sz="2280" b="0" strike="noStrike" spc="-1">
-                <a:solidFill>
-                  <a:srgbClr val="000000"/>
-                </a:solidFill>
-                <a:uFill>
-                  <a:solidFill>
-                    <a:srgbClr val="FFFFFF"/>
-                  </a:solidFill>
-                </a:uFill>
-                <a:latin typeface="Arial"/>
-              </a:rPr>
-              <a:t>Managing Linux User Accounts</a:t>
-            </a:r>
-          </a:p>
-          <a:p>
-            <a:pPr marL="864000" lvl="1" indent="-323640">
-              <a:lnSpc>
-                <a:spcPct val="100000"/>
-              </a:lnSpc>
-              <a:spcAft>
-                <a:spcPts val="918"/>
-              </a:spcAft>
-              <a:buClr>
-                <a:srgbClr val="000000"/>
-              </a:buClr>
-              <a:buSzPct val="75000"/>
-              <a:buFont typeface="Symbol"/>
-              <a:buChar char=""/>
-            </a:pPr>
-            <a:r>
-              <a:rPr lang="en-CA" sz="2280" b="0" strike="noStrike" spc="-1">
-                <a:solidFill>
-                  <a:srgbClr val="000000"/>
-                </a:solidFill>
-                <a:uFill>
-                  <a:solidFill>
-                    <a:srgbClr val="FFFFFF"/>
-                  </a:solidFill>
-                </a:uFill>
-                <a:latin typeface="Arial"/>
-              </a:rPr>
-              <a:t>Troubleshooting Network Issues</a:t>
+              <a:rPr lang="en-CA" sz="2250" b="0" strike="noStrike" spc="-1" dirty="0">
+                <a:solidFill>
+                  <a:srgbClr val="000000"/>
+                </a:solidFill>
+                <a:uFill>
+                  <a:solidFill>
+                    <a:srgbClr val="FFFFFF"/>
+                  </a:solidFill>
+                </a:uFill>
+                <a:latin typeface="Arial"/>
+              </a:rPr>
+              <a:t>Over time, you will build on these skills to become a much more efficient </a:t>
+            </a:r>
+            <a:r>
+              <a:rPr lang="en-CA" sz="2250" b="0" strike="noStrike" spc="-1" dirty="0" err="1">
+                <a:solidFill>
+                  <a:srgbClr val="000000"/>
+                </a:solidFill>
+                <a:uFill>
+                  <a:solidFill>
+                    <a:srgbClr val="FFFFFF"/>
+                  </a:solidFill>
+                </a:uFill>
+                <a:latin typeface="Arial"/>
+              </a:rPr>
+              <a:t>adminstrator</a:t>
+            </a:r>
+            <a:r>
+              <a:rPr lang="en-CA" sz="2250" b="0" strike="noStrike" spc="-1" dirty="0">
+                <a:solidFill>
+                  <a:srgbClr val="000000"/>
+                </a:solidFill>
+                <a:uFill>
+                  <a:solidFill>
+                    <a:srgbClr val="FFFFFF"/>
+                  </a:solidFill>
+                </a:uFill>
+                <a:latin typeface="Arial"/>
+              </a:rPr>
+              <a:t>.</a:t>
             </a:r>
           </a:p>
         </p:txBody>
@@ -7009,7 +6970,7 @@
       </p:grpSpPr>
       <p:sp>
         <p:nvSpPr>
-          <p:cNvPr id="89" name="CustomShape 1"/>
+          <p:cNvPr id="91" name="CustomShape 1"/>
           <p:cNvSpPr/>
           <p:nvPr/>
         </p:nvSpPr>
@@ -7054,7 +7015,7 @@
                 </a:uFill>
                 <a:latin typeface="Arial"/>
               </a:rPr>
-              <a:t>OPS245 Skills</a:t>
+              <a:t>Resources</a:t>
             </a:r>
             <a:endParaRPr lang="en-CA" sz="3570" b="0" strike="noStrike" spc="-1">
               <a:solidFill>
@@ -7072,7 +7033,7 @@
       </p:sp>
       <p:sp>
         <p:nvSpPr>
-          <p:cNvPr id="90" name="CustomShape 2"/>
+          <p:cNvPr id="92" name="CustomShape 2"/>
           <p:cNvSpPr/>
           <p:nvPr/>
         </p:nvSpPr>
@@ -7102,12 +7063,12 @@
           <a:fontRef idx="minor"/>
         </p:style>
         <p:txBody>
-          <a:bodyPr lIns="0" tIns="0" rIns="0" bIns="0">
-            <a:normAutofit fontScale="92500"/>
+          <a:bodyPr lIns="0" tIns="0" rIns="0" bIns="0" anchor="t">
+            <a:normAutofit fontScale="92500" lnSpcReduction="20000"/>
           </a:bodyPr>
           <a:lstStyle/>
           <a:p>
-            <a:pPr marL="432000" indent="-323640">
+            <a:pPr marL="431800" indent="-323215">
               <a:lnSpc>
                 <a:spcPct val="100000"/>
               </a:lnSpc>
@@ -7122,22 +7083,124 @@
               <a:buChar char=""/>
             </a:pPr>
             <a:r>
-              <a:rPr lang="en-CA" sz="2600" b="0" strike="noStrike" spc="-1">
-                <a:solidFill>
-                  <a:srgbClr val="000000"/>
-                </a:solidFill>
-                <a:uFill>
-                  <a:solidFill>
-                    <a:srgbClr val="FFFFFF"/>
-                  </a:solidFill>
-                </a:uFill>
-                <a:latin typeface="Arial"/>
-              </a:rPr>
-              <a:t>In addition to manually performing all the tasks on the previous slide, you will learn how to use scripts to automate them.</a:t>
-            </a:r>
-          </a:p>
-          <a:p>
-            <a:pPr marL="432000" indent="-323640">
+              <a:rPr lang="en-CA" sz="2600" b="0" strike="noStrike" spc="-1" dirty="0">
+                <a:solidFill>
+                  <a:srgbClr val="000000"/>
+                </a:solidFill>
+                <a:uFill>
+                  <a:solidFill>
+                    <a:srgbClr val="FFFFFF"/>
+                  </a:solidFill>
+                </a:uFill>
+                <a:latin typeface="Arial"/>
+              </a:rPr>
+              <a:t>The following resources are essential for success:</a:t>
+            </a:r>
+            <a:endParaRPr lang="en-US"/>
+          </a:p>
+          <a:p>
+            <a:pPr marL="431800" indent="-323215">
+              <a:spcAft>
+                <a:spcPts val="1148"/>
+              </a:spcAft>
+              <a:buClr>
+                <a:srgbClr val="000000"/>
+              </a:buClr>
+              <a:buSzPct val="45000"/>
+              <a:buFont typeface="Wingdings" charset="2"/>
+              <a:buChar char=""/>
+            </a:pPr>
+            <a:r>
+              <a:rPr lang="en-CA" sz="2600" u="sng" spc="-1" dirty="0">
+                <a:solidFill>
+                  <a:srgbClr val="0000FF"/>
+                </a:solidFill>
+                <a:uFill>
+                  <a:solidFill>
+                    <a:srgbClr val="FFFFFF"/>
+                  </a:solidFill>
+                </a:uFill>
+                <a:latin typeface="Arial"/>
+                <a:hlinkClick r:id="rId2"/>
+              </a:rPr>
+              <a:t>OSL740 Lab site</a:t>
+            </a:r>
+            <a:endParaRPr lang="en-CA" sz="2600" b="0" u="sng" strike="noStrike" spc="-1" dirty="0">
+              <a:solidFill>
+                <a:srgbClr val="0000FF"/>
+              </a:solidFill>
+              <a:uFill>
+                <a:solidFill>
+                  <a:srgbClr val="FFFFFF"/>
+                </a:solidFill>
+              </a:uFill>
+              <a:latin typeface="Arial"/>
+              <a:hlinkClick r:id="rId2"/>
+            </a:endParaRPr>
+          </a:p>
+          <a:p>
+            <a:pPr marL="863600" lvl="1" indent="-323215">
+              <a:lnSpc>
+                <a:spcPct val="100000"/>
+              </a:lnSpc>
+              <a:spcAft>
+                <a:spcPts val="918"/>
+              </a:spcAft>
+              <a:buClr>
+                <a:srgbClr val="000000"/>
+              </a:buClr>
+              <a:buSzPct val="75000"/>
+              <a:buFont typeface="Symbol"/>
+              <a:buChar char=""/>
+            </a:pPr>
+            <a:r>
+              <a:rPr lang="en-CA" sz="2250" b="0" strike="noStrike" spc="-1">
+                <a:solidFill>
+                  <a:srgbClr val="000000"/>
+                </a:solidFill>
+                <a:uFill>
+                  <a:solidFill>
+                    <a:srgbClr val="FFFFFF"/>
+                  </a:solidFill>
+                </a:uFill>
+                <a:latin typeface="Arial"/>
+              </a:rPr>
+              <a:t>Notes, Labs, extra resources, weekly schedule, etc.</a:t>
+            </a:r>
+            <a:endParaRPr lang="en-CA"/>
+          </a:p>
+          <a:p>
+            <a:pPr marL="863600" lvl="1" indent="-323215">
+              <a:lnSpc>
+                <a:spcPct val="100000"/>
+              </a:lnSpc>
+              <a:spcAft>
+                <a:spcPts val="918"/>
+              </a:spcAft>
+              <a:buClr>
+                <a:srgbClr val="000000"/>
+              </a:buClr>
+              <a:buSzPct val="75000"/>
+              <a:buFont typeface="Symbol"/>
+              <a:buChar char=""/>
+            </a:pPr>
+            <a:r>
+              <a:rPr lang="en-CA" sz="2250" b="0" strike="noStrike" spc="-1" dirty="0">
+                <a:solidFill>
+                  <a:srgbClr val="000000"/>
+                </a:solidFill>
+                <a:uFill>
+                  <a:solidFill>
+                    <a:srgbClr val="FFFFFF"/>
+                  </a:solidFill>
+                </a:uFill>
+                <a:latin typeface="Arial"/>
+              </a:rPr>
+              <a:t>Note: Bookmark the real page, don’t search the web.</a:t>
+            </a:r>
+          </a:p>
+          <a:p>
+            <a:pPr marL="431800" indent="-323215">
               <a:lnSpc>
                 <a:spcPct val="100000"/>
               </a:lnSpc>
@@ -7152,22 +7215,52 @@
               <a:buChar char=""/>
             </a:pPr>
             <a:r>
-              <a:rPr lang="en-CA" sz="2600" b="0" strike="noStrike" spc="-1">
-                <a:solidFill>
-                  <a:srgbClr val="000000"/>
-                </a:solidFill>
-                <a:uFill>
-                  <a:solidFill>
-                    <a:srgbClr val="FFFFFF"/>
-                  </a:solidFill>
-                </a:uFill>
-                <a:latin typeface="Arial"/>
-              </a:rPr>
-              <a:t>Scripting will be essential to you as an administrator.</a:t>
-            </a:r>
-          </a:p>
-          <a:p>
-            <a:pPr marL="432000" indent="-323640">
+              <a:rPr lang="en-CA" sz="2600" b="0" strike="noStrike" spc="-1" dirty="0">
+                <a:solidFill>
+                  <a:srgbClr val="000000"/>
+                </a:solidFill>
+                <a:uFill>
+                  <a:solidFill>
+                    <a:srgbClr val="FFFFFF"/>
+                  </a:solidFill>
+                </a:uFill>
+                <a:latin typeface="Arial"/>
+              </a:rPr>
+              <a:t>Blackboard LMS</a:t>
+            </a:r>
+          </a:p>
+          <a:p>
+            <a:pPr marL="863600" lvl="1" indent="-323215">
+              <a:lnSpc>
+                <a:spcPct val="100000"/>
+              </a:lnSpc>
+              <a:spcAft>
+                <a:spcPts val="918"/>
+              </a:spcAft>
+              <a:buClr>
+                <a:srgbClr val="000000"/>
+              </a:buClr>
+              <a:buSzPct val="75000"/>
+              <a:buFont typeface="Symbol"/>
+              <a:buChar char=""/>
+            </a:pPr>
+            <a:r>
+              <a:rPr lang="en-CA" sz="2250" b="0" strike="noStrike" spc="-1" dirty="0">
+                <a:solidFill>
+                  <a:srgbClr val="000000"/>
+                </a:solidFill>
+                <a:uFill>
+                  <a:solidFill>
+                    <a:srgbClr val="FFFFFF"/>
+                  </a:solidFill>
+                </a:uFill>
+                <a:latin typeface="Arial"/>
+              </a:rPr>
+              <a:t>Grades, instructor information, additional resources.</a:t>
+            </a:r>
+          </a:p>
+          <a:p>
+            <a:pPr marL="431800" indent="-323215">
               <a:lnSpc>
                 <a:spcPct val="100000"/>
               </a:lnSpc>
@@ -7182,22 +7275,36 @@
               <a:buChar char=""/>
             </a:pPr>
             <a:r>
-              <a:rPr lang="en-CA" sz="2600" b="0" strike="noStrike" spc="-1">
-                <a:solidFill>
-                  <a:srgbClr val="000000"/>
-                </a:solidFill>
-                <a:uFill>
-                  <a:solidFill>
-                    <a:srgbClr val="FFFFFF"/>
-                  </a:solidFill>
-                </a:uFill>
-                <a:latin typeface="Arial"/>
-              </a:rPr>
-              <a:t>While you will not master scripting in either Python or BASH in this course, you will learn fundamental skills in both.</a:t>
-            </a:r>
-          </a:p>
-          <a:p>
-            <a:pPr marL="864000" lvl="1" indent="-323640">
+              <a:rPr lang="en-CA" sz="2600" spc="-1" dirty="0">
+                <a:solidFill>
+                  <a:srgbClr val="000000"/>
+                </a:solidFill>
+                <a:uFill>
+                  <a:solidFill>
+                    <a:srgbClr val="FFFFFF"/>
+                  </a:solidFill>
+                </a:uFill>
+                <a:latin typeface="Arial"/>
+              </a:rPr>
+              <a:t>OSL740</a:t>
+            </a:r>
+            <a:r>
+              <a:rPr lang="en-CA" sz="2600" b="0" strike="noStrike" spc="-1" dirty="0">
+                <a:solidFill>
+                  <a:srgbClr val="000000"/>
+                </a:solidFill>
+                <a:uFill>
+                  <a:solidFill>
+                    <a:srgbClr val="FFFFFF"/>
+                  </a:solidFill>
+                </a:uFill>
+                <a:latin typeface="Arial"/>
+              </a:rPr>
+              <a:t> Course Outline</a:t>
+            </a:r>
+          </a:p>
+          <a:p>
+            <a:pPr marL="863600" lvl="1" indent="-323215">
               <a:lnSpc>
                 <a:spcPct val="100000"/>
               </a:lnSpc>
@@ -7212,18 +7319,18 @@
               <a:buChar char=""/>
             </a:pPr>
             <a:r>
-              <a:rPr lang="en-CA" sz="2280" b="0" strike="noStrike" spc="-1">
-                <a:solidFill>
-                  <a:srgbClr val="000000"/>
-                </a:solidFill>
-                <a:uFill>
-                  <a:solidFill>
-                    <a:srgbClr val="FFFFFF"/>
-                  </a:solidFill>
-                </a:uFill>
-                <a:latin typeface="Arial"/>
-              </a:rPr>
-              <a:t>Over time, you will build on these skills to become a much more efficient adminstrator.</a:t>
+              <a:rPr lang="en-CA" sz="2250" b="0" strike="noStrike" spc="-1" dirty="0">
+                <a:solidFill>
+                  <a:srgbClr val="000000"/>
+                </a:solidFill>
+                <a:uFill>
+                  <a:solidFill>
+                    <a:srgbClr val="FFFFFF"/>
+                  </a:solidFill>
+                </a:uFill>
+                <a:latin typeface="Arial"/>
+              </a:rPr>
+              <a:t>Evaluation information, course topics, required materials, etc.</a:t>
             </a:r>
           </a:p>
         </p:txBody>
@@ -7282,14 +7389,14 @@
       </p:grpSpPr>
       <p:sp>
         <p:nvSpPr>
-          <p:cNvPr id="91" name="CustomShape 1"/>
+          <p:cNvPr id="93" name="CustomShape 1"/>
           <p:cNvSpPr/>
           <p:nvPr/>
         </p:nvSpPr>
         <p:spPr>
           <a:xfrm>
-            <a:off x="504000" y="216000"/>
-            <a:ext cx="7019640" cy="935640"/>
+            <a:off x="504000" y="181080"/>
+            <a:ext cx="7271640" cy="1005840"/>
           </a:xfrm>
           <a:prstGeom prst="rect">
             <a:avLst/>
@@ -7327,7 +7434,7 @@
                 </a:uFill>
                 <a:latin typeface="Arial"/>
               </a:rPr>
-              <a:t>Resources</a:t>
+              <a:t>Course Policies</a:t>
             </a:r>
             <a:endParaRPr lang="en-CA" sz="3570" b="0" strike="noStrike" spc="-1">
               <a:solidFill>
@@ -7345,7 +7452,7 @@
       </p:sp>
       <p:sp>
         <p:nvSpPr>
-          <p:cNvPr id="92" name="CustomShape 2"/>
+          <p:cNvPr id="94" name="CustomShape 2"/>
           <p:cNvSpPr/>
           <p:nvPr/>
         </p:nvSpPr>
@@ -7395,61 +7502,19 @@
               <a:buChar char=""/>
             </a:pPr>
             <a:r>
-              <a:rPr lang="en-CA" sz="2600" b="0" strike="noStrike" spc="-1">
-                <a:solidFill>
-                  <a:srgbClr val="000000"/>
-                </a:solidFill>
-                <a:uFill>
-                  <a:solidFill>
-                    <a:srgbClr val="FFFFFF"/>
-                  </a:solidFill>
-                </a:uFill>
-                <a:latin typeface="Arial"/>
-              </a:rPr>
-              <a:t>The following resources are essential for success:</a:t>
-            </a:r>
-          </a:p>
-          <a:p>
-            <a:pPr marL="432000" indent="-323640">
-              <a:lnSpc>
-                <a:spcPct val="100000"/>
-              </a:lnSpc>
-              <a:spcAft>
-                <a:spcPts val="1148"/>
-              </a:spcAft>
-              <a:buClr>
-                <a:srgbClr val="000000"/>
-              </a:buClr>
-              <a:buSzPct val="45000"/>
-              <a:buFont typeface="Wingdings" charset="2"/>
-              <a:buChar char=""/>
-            </a:pPr>
-            <a:r>
-              <a:rPr lang="en-CA" sz="2600" b="0" u="sng" strike="noStrike" spc="-1">
-                <a:solidFill>
-                  <a:srgbClr val="0000FF"/>
-                </a:solidFill>
-                <a:uFill>
-                  <a:solidFill>
-                    <a:srgbClr val="FFFFFF"/>
-                  </a:solidFill>
-                </a:uFill>
-                <a:latin typeface="Arial"/>
-                <a:hlinkClick r:id="rId2"/>
-              </a:rPr>
-              <a:t>OPS245 Wiki</a:t>
-            </a:r>
-            <a:endParaRPr lang="en-CA" sz="2600" b="0" strike="noStrike" spc="-1">
-              <a:solidFill>
-                <a:srgbClr val="000000"/>
-              </a:solidFill>
-              <a:uFill>
-                <a:solidFill>
-                  <a:srgbClr val="FFFFFF"/>
-                </a:solidFill>
-              </a:uFill>
-              <a:latin typeface="Arial"/>
-            </a:endParaRPr>
+              <a:rPr lang="en-CA" sz="2600" b="0" strike="noStrike" spc="-1" dirty="0">
+                <a:solidFill>
+                  <a:srgbClr val="000000"/>
+                </a:solidFill>
+                <a:uFill>
+                  <a:solidFill>
+                    <a:srgbClr val="FFFFFF"/>
+                  </a:solidFill>
+                </a:uFill>
+                <a:latin typeface="Arial"/>
+              </a:rPr>
+              <a:t>A course outline is like a contract: it is a binding agreement detailing:</a:t>
+            </a:r>
           </a:p>
           <a:p>
             <a:pPr marL="864000" lvl="1" indent="-323640">
@@ -7467,18 +7532,138 @@
               <a:buChar char=""/>
             </a:pPr>
             <a:r>
-              <a:rPr lang="en-CA" sz="2280" b="0" strike="noStrike" spc="-1">
-                <a:solidFill>
-                  <a:srgbClr val="000000"/>
-                </a:solidFill>
-                <a:uFill>
-                  <a:solidFill>
-                    <a:srgbClr val="FFFFFF"/>
-                  </a:solidFill>
-                </a:uFill>
-                <a:latin typeface="Arial"/>
-              </a:rPr>
-              <a:t>Notes, Labs, extra resources, weekly schedule, etc.</a:t>
+              <a:rPr lang="en-CA" sz="2280" b="0" strike="noStrike" spc="-1" dirty="0">
+                <a:solidFill>
+                  <a:srgbClr val="000000"/>
+                </a:solidFill>
+                <a:uFill>
+                  <a:solidFill>
+                    <a:srgbClr val="FFFFFF"/>
+                  </a:solidFill>
+                </a:uFill>
+                <a:latin typeface="Arial"/>
+              </a:rPr>
+              <a:t>What a student needs to do to successfully complete the course.</a:t>
+            </a:r>
+          </a:p>
+          <a:p>
+            <a:pPr marL="1296000" lvl="2" indent="-287640">
+              <a:lnSpc>
+                <a:spcPct val="100000"/>
+              </a:lnSpc>
+              <a:spcAft>
+                <a:spcPts val="689"/>
+              </a:spcAft>
+              <a:buClr>
+                <a:srgbClr val="000000"/>
+              </a:buClr>
+              <a:buSzPct val="45000"/>
+              <a:buFont typeface="Wingdings" charset="2"/>
+              <a:buChar char=""/>
+            </a:pPr>
+            <a:r>
+              <a:rPr lang="en-CA" sz="1950" b="0" strike="noStrike" spc="-1" dirty="0">
+                <a:solidFill>
+                  <a:srgbClr val="000000"/>
+                </a:solidFill>
+                <a:uFill>
+                  <a:solidFill>
+                    <a:srgbClr val="FFFFFF"/>
+                  </a:solidFill>
+                </a:uFill>
+                <a:latin typeface="Arial"/>
+              </a:rPr>
+              <a:t>Learning Objectives</a:t>
+            </a:r>
+          </a:p>
+          <a:p>
+            <a:pPr marL="1296000" lvl="2" indent="-287640">
+              <a:lnSpc>
+                <a:spcPct val="100000"/>
+              </a:lnSpc>
+              <a:spcAft>
+                <a:spcPts val="689"/>
+              </a:spcAft>
+              <a:buClr>
+                <a:srgbClr val="000000"/>
+              </a:buClr>
+              <a:buSzPct val="45000"/>
+              <a:buFont typeface="Wingdings" charset="2"/>
+              <a:buChar char=""/>
+            </a:pPr>
+            <a:r>
+              <a:rPr lang="en-CA" sz="1950" b="0" strike="noStrike" spc="-1" dirty="0">
+                <a:solidFill>
+                  <a:srgbClr val="000000"/>
+                </a:solidFill>
+                <a:uFill>
+                  <a:solidFill>
+                    <a:srgbClr val="FFFFFF"/>
+                  </a:solidFill>
+                </a:uFill>
+                <a:latin typeface="Arial"/>
+              </a:rPr>
+              <a:t>Grading Policies</a:t>
+            </a:r>
+          </a:p>
+          <a:p>
+            <a:pPr marL="1296000" lvl="2" indent="-287640">
+              <a:lnSpc>
+                <a:spcPct val="100000"/>
+              </a:lnSpc>
+              <a:spcAft>
+                <a:spcPts val="689"/>
+              </a:spcAft>
+              <a:buClr>
+                <a:srgbClr val="000000"/>
+              </a:buClr>
+              <a:buSzPct val="45000"/>
+              <a:buFont typeface="Wingdings" charset="2"/>
+              <a:buChar char=""/>
+            </a:pPr>
+            <a:r>
+              <a:rPr lang="en-CA" sz="1950" b="0" strike="noStrike" spc="-1" dirty="0">
+                <a:solidFill>
+                  <a:srgbClr val="000000"/>
+                </a:solidFill>
+                <a:uFill>
+                  <a:solidFill>
+                    <a:srgbClr val="FFFFFF"/>
+                  </a:solidFill>
+                </a:uFill>
+                <a:latin typeface="Arial"/>
+              </a:rPr>
+              <a:t>Requirements to pass</a:t>
+            </a:r>
+          </a:p>
+          <a:p>
+            <a:pPr marL="1296000" lvl="2" indent="-287640">
+              <a:lnSpc>
+                <a:spcPct val="100000"/>
+              </a:lnSpc>
+              <a:spcAft>
+                <a:spcPts val="689"/>
+              </a:spcAft>
+              <a:buClr>
+                <a:srgbClr val="000000"/>
+              </a:buClr>
+              <a:buSzPct val="45000"/>
+              <a:buFont typeface="Wingdings" charset="2"/>
+              <a:buChar char=""/>
+            </a:pPr>
+            <a:r>
+              <a:rPr lang="en-CA" sz="1950" b="0" strike="noStrike" spc="-1" dirty="0">
+                <a:solidFill>
+                  <a:srgbClr val="000000"/>
+                </a:solidFill>
+                <a:uFill>
+                  <a:solidFill>
+                    <a:srgbClr val="FFFFFF"/>
+                  </a:solidFill>
+                </a:uFill>
+                <a:latin typeface="Arial"/>
+              </a:rPr>
+              <a:t>Grading Structure</a:t>
             </a:r>
           </a:p>
           <a:p>
@@ -7508,16 +7693,30 @@
                 </a:uFill>
                 <a:latin typeface="Arial"/>
               </a:rPr>
-              <a:t>Note: Bookmark the real page, don’t search the web.</a:t>
-            </a:r>
-          </a:p>
-          <a:p>
-            <a:pPr marL="432000" indent="-323640">
+              <a:t>What </a:t>
+            </a:r>
+            <a:r>
+              <a:rPr lang="en-CA" sz="2280" b="0" strike="noStrike" spc="-1" dirty="0">
+                <a:solidFill>
+                  <a:srgbClr val="000000"/>
+                </a:solidFill>
+                <a:uFill>
+                  <a:solidFill>
+                    <a:srgbClr val="FFFFFF"/>
+                  </a:solidFill>
+                </a:uFill>
+                <a:latin typeface="Arial"/>
+              </a:rPr>
+              <a:t>the professor needs to do to successfully deliver the course.</a:t>
+            </a:r>
+          </a:p>
+          <a:p>
+            <a:pPr marL="1296000" lvl="2" indent="-287640">
               <a:lnSpc>
                 <a:spcPct val="100000"/>
               </a:lnSpc>
               <a:spcAft>
-                <a:spcPts val="1148"/>
+                <a:spcPts val="689"/>
               </a:spcAft>
               <a:buClr>
                 <a:srgbClr val="000000"/>
@@ -7527,57 +7726,27 @@
               <a:buChar char=""/>
             </a:pPr>
             <a:r>
-              <a:rPr lang="en-CA" sz="2600" b="0" strike="noStrike" spc="-1">
-                <a:solidFill>
-                  <a:srgbClr val="000000"/>
-                </a:solidFill>
-                <a:uFill>
-                  <a:solidFill>
-                    <a:srgbClr val="FFFFFF"/>
-                  </a:solidFill>
-                </a:uFill>
-                <a:latin typeface="Arial"/>
-              </a:rPr>
-              <a:t>Blackboard LMS</a:t>
-            </a:r>
-          </a:p>
-          <a:p>
-            <a:pPr marL="864000" lvl="1" indent="-323640">
+              <a:rPr lang="en-CA" sz="1950" b="0" strike="noStrike" spc="-1" dirty="0">
+                <a:solidFill>
+                  <a:srgbClr val="000000"/>
+                </a:solidFill>
+                <a:uFill>
+                  <a:solidFill>
+                    <a:srgbClr val="FFFFFF"/>
+                  </a:solidFill>
+                </a:uFill>
+                <a:latin typeface="Arial"/>
+              </a:rPr>
+              <a:t>Content that must be covered</a:t>
+            </a:r>
+          </a:p>
+          <a:p>
+            <a:pPr marL="1296000" lvl="2" indent="-287640">
               <a:lnSpc>
                 <a:spcPct val="100000"/>
               </a:lnSpc>
               <a:spcAft>
-                <a:spcPts val="918"/>
-              </a:spcAft>
-              <a:buClr>
-                <a:srgbClr val="000000"/>
-              </a:buClr>
-              <a:buSzPct val="75000"/>
-              <a:buFont typeface="Symbol"/>
-              <a:buChar char=""/>
-            </a:pPr>
-            <a:r>
-              <a:rPr lang="en-CA" sz="2280" b="0" strike="noStrike" spc="-1">
-                <a:solidFill>
-                  <a:srgbClr val="000000"/>
-                </a:solidFill>
-                <a:uFill>
-                  <a:solidFill>
-                    <a:srgbClr val="FFFFFF"/>
-                  </a:solidFill>
-                </a:uFill>
-                <a:latin typeface="Arial"/>
-              </a:rPr>
-              <a:t>Grades, instructor information, additional resources.</a:t>
-            </a:r>
-          </a:p>
-          <a:p>
-            <a:pPr marL="432000" indent="-323640">
-              <a:lnSpc>
-                <a:spcPct val="100000"/>
-              </a:lnSpc>
-              <a:spcAft>
-                <a:spcPts val="1148"/>
+                <a:spcPts val="689"/>
               </a:spcAft>
               <a:buClr>
                 <a:srgbClr val="000000"/>
@@ -7587,48 +7756,18 @@
               <a:buChar char=""/>
             </a:pPr>
             <a:r>
-              <a:rPr lang="en-CA" sz="2600" b="0" strike="noStrike" spc="-1">
-                <a:solidFill>
-                  <a:srgbClr val="000000"/>
-                </a:solidFill>
-                <a:uFill>
-                  <a:solidFill>
-                    <a:srgbClr val="FFFFFF"/>
-                  </a:solidFill>
-                </a:uFill>
-                <a:latin typeface="Arial"/>
-              </a:rPr>
-              <a:t>OPS245 Course Outline</a:t>
-            </a:r>
-          </a:p>
-          <a:p>
-            <a:pPr marL="864000" lvl="1" indent="-323640">
-              <a:lnSpc>
-                <a:spcPct val="100000"/>
-              </a:lnSpc>
-              <a:spcAft>
-                <a:spcPts val="918"/>
-              </a:spcAft>
-              <a:buClr>
-                <a:srgbClr val="000000"/>
-              </a:buClr>
-              <a:buSzPct val="75000"/>
-              <a:buFont typeface="Symbol"/>
-              <a:buChar char=""/>
-            </a:pPr>
-            <a:r>
-              <a:rPr lang="en-CA" sz="2280" b="0" strike="noStrike" spc="-1">
-                <a:solidFill>
-                  <a:srgbClr val="000000"/>
-                </a:solidFill>
-                <a:uFill>
-                  <a:solidFill>
-                    <a:srgbClr val="FFFFFF"/>
-                  </a:solidFill>
-                </a:uFill>
-                <a:latin typeface="Arial"/>
-              </a:rPr>
-              <a:t>Evaluation information, course topics, required materials, etc.</a:t>
+              <a:rPr lang="en-CA" sz="1950" b="0" strike="noStrike" spc="-1" dirty="0">
+                <a:solidFill>
+                  <a:srgbClr val="000000"/>
+                </a:solidFill>
+                <a:uFill>
+                  <a:solidFill>
+                    <a:srgbClr val="FFFFFF"/>
+                  </a:solidFill>
+                </a:uFill>
+                <a:latin typeface="Arial"/>
+              </a:rPr>
+              <a:t>How learning is assessed</a:t>
             </a:r>
           </a:p>
         </p:txBody>
@@ -7687,14 +7826,14 @@
       </p:grpSpPr>
       <p:sp>
         <p:nvSpPr>
-          <p:cNvPr id="93" name="CustomShape 1"/>
+          <p:cNvPr id="95" name="CustomShape 1"/>
           <p:cNvSpPr/>
           <p:nvPr/>
         </p:nvSpPr>
         <p:spPr>
           <a:xfrm>
-            <a:off x="504000" y="181080"/>
-            <a:ext cx="7271640" cy="1005840"/>
+            <a:off x="504000" y="216000"/>
+            <a:ext cx="7019640" cy="935640"/>
           </a:xfrm>
           <a:prstGeom prst="rect">
             <a:avLst/>
@@ -7732,7 +7871,7 @@
                 </a:uFill>
                 <a:latin typeface="Arial"/>
               </a:rPr>
-              <a:t>Course Policies</a:t>
+              <a:t>Course Outline</a:t>
             </a:r>
             <a:endParaRPr lang="en-CA" sz="3570" b="0" strike="noStrike" spc="-1">
               <a:solidFill>
@@ -7750,7 +7889,7 @@
       </p:sp>
       <p:sp>
         <p:nvSpPr>
-          <p:cNvPr id="94" name="CustomShape 2"/>
+          <p:cNvPr id="96" name="CustomShape 2"/>
           <p:cNvSpPr/>
           <p:nvPr/>
         </p:nvSpPr>
@@ -7781,7 +7920,7 @@
         </p:style>
         <p:txBody>
           <a:bodyPr lIns="0" tIns="0" rIns="0" bIns="0">
-            <a:normAutofit fontScale="92500" lnSpcReduction="20000"/>
+            <a:normAutofit fontScale="92500" lnSpcReduction="10000"/>
           </a:bodyPr>
           <a:lstStyle/>
           <a:p>
@@ -7811,7 +7950,7 @@
                 </a:uFill>
                 <a:latin typeface="Arial"/>
               </a:rPr>
-              <a:t>A course outline is like a contract: it is a binding agreement detailing:</a:t>
+              <a:t>Your instructor will now take some time to show you the course outline and discuss important topics like:</a:t>
             </a:r>
           </a:p>
           <a:p>
@@ -7841,127 +7980,7 @@
                 </a:uFill>
                 <a:latin typeface="Arial"/>
               </a:rPr>
-              <a:t>What a student needs to do to successfully complete the course.</a:t>
-            </a:r>
-          </a:p>
-          <a:p>
-            <a:pPr marL="1296000" lvl="2" indent="-287640">
-              <a:lnSpc>
-                <a:spcPct val="100000"/>
-              </a:lnSpc>
-              <a:spcAft>
-                <a:spcPts val="689"/>
-              </a:spcAft>
-              <a:buClr>
-                <a:srgbClr val="000000"/>
-              </a:buClr>
-              <a:buSzPct val="45000"/>
-              <a:buFont typeface="Wingdings" charset="2"/>
-              <a:buChar char=""/>
-            </a:pPr>
-            <a:r>
-              <a:rPr lang="en-CA" sz="1950" b="0" strike="noStrike" spc="-1" dirty="0">
-                <a:solidFill>
-                  <a:srgbClr val="000000"/>
-                </a:solidFill>
-                <a:uFill>
-                  <a:solidFill>
-                    <a:srgbClr val="FFFFFF"/>
-                  </a:solidFill>
-                </a:uFill>
-                <a:latin typeface="Arial"/>
-              </a:rPr>
-              <a:t>Learning Objectives</a:t>
-            </a:r>
-          </a:p>
-          <a:p>
-            <a:pPr marL="1296000" lvl="2" indent="-287640">
-              <a:lnSpc>
-                <a:spcPct val="100000"/>
-              </a:lnSpc>
-              <a:spcAft>
-                <a:spcPts val="689"/>
-              </a:spcAft>
-              <a:buClr>
-                <a:srgbClr val="000000"/>
-              </a:buClr>
-              <a:buSzPct val="45000"/>
-              <a:buFont typeface="Wingdings" charset="2"/>
-              <a:buChar char=""/>
-            </a:pPr>
-            <a:r>
-              <a:rPr lang="en-CA" sz="1950" b="0" strike="noStrike" spc="-1" dirty="0">
-                <a:solidFill>
-                  <a:srgbClr val="000000"/>
-                </a:solidFill>
-                <a:uFill>
-                  <a:solidFill>
-                    <a:srgbClr val="FFFFFF"/>
-                  </a:solidFill>
-                </a:uFill>
-                <a:latin typeface="Arial"/>
-              </a:rPr>
-              <a:t>Grading Policies</a:t>
-            </a:r>
-          </a:p>
-          <a:p>
-            <a:pPr marL="1296000" lvl="2" indent="-287640">
-              <a:lnSpc>
-                <a:spcPct val="100000"/>
-              </a:lnSpc>
-              <a:spcAft>
-                <a:spcPts val="689"/>
-              </a:spcAft>
-              <a:buClr>
-                <a:srgbClr val="000000"/>
-              </a:buClr>
-              <a:buSzPct val="45000"/>
-              <a:buFont typeface="Wingdings" charset="2"/>
-              <a:buChar char=""/>
-            </a:pPr>
-            <a:r>
-              <a:rPr lang="en-CA" sz="1950" b="0" strike="noStrike" spc="-1" dirty="0">
-                <a:solidFill>
-                  <a:srgbClr val="000000"/>
-                </a:solidFill>
-                <a:uFill>
-                  <a:solidFill>
-                    <a:srgbClr val="FFFFFF"/>
-                  </a:solidFill>
-                </a:uFill>
-                <a:latin typeface="Arial"/>
-              </a:rPr>
-              <a:t>Requirements to pass</a:t>
-            </a:r>
-          </a:p>
-          <a:p>
-            <a:pPr marL="1296000" lvl="2" indent="-287640">
-              <a:lnSpc>
-                <a:spcPct val="100000"/>
-              </a:lnSpc>
-              <a:spcAft>
-                <a:spcPts val="689"/>
-              </a:spcAft>
-              <a:buClr>
-                <a:srgbClr val="000000"/>
-              </a:buClr>
-              <a:buSzPct val="45000"/>
-              <a:buFont typeface="Wingdings" charset="2"/>
-              <a:buChar char=""/>
-            </a:pPr>
-            <a:r>
-              <a:rPr lang="en-CA" sz="1950" b="0" strike="noStrike" spc="-1" dirty="0">
-                <a:solidFill>
-                  <a:srgbClr val="000000"/>
-                </a:solidFill>
-                <a:uFill>
-                  <a:solidFill>
-                    <a:srgbClr val="FFFFFF"/>
-                  </a:solidFill>
-                </a:uFill>
-                <a:latin typeface="Arial"/>
-              </a:rPr>
-              <a:t>Grading Structure</a:t>
+              <a:t>Course description</a:t>
             </a:r>
           </a:p>
           <a:p>
@@ -7980,20 +7999,6 @@
               <a:buChar char=""/>
             </a:pPr>
             <a:r>
-              <a:rPr lang="en-CA" sz="2280" b="0" strike="noStrike" spc="-1">
-                <a:solidFill>
-                  <a:srgbClr val="000000"/>
-                </a:solidFill>
-                <a:uFill>
-                  <a:solidFill>
-                    <a:srgbClr val="FFFFFF"/>
-                  </a:solidFill>
-                </a:uFill>
-                <a:latin typeface="Arial"/>
-              </a:rPr>
-              <a:t>What </a:t>
-            </a:r>
-            <a:r>
               <a:rPr lang="en-CA" sz="2280" b="0" strike="noStrike" spc="-1" dirty="0">
                 <a:solidFill>
                   <a:srgbClr val="000000"/>
@@ -8005,67 +8010,127 @@
                 </a:uFill>
                 <a:latin typeface="Arial"/>
               </a:rPr>
-              <a:t>the professor needs to do to successfully deliver the course.</a:t>
-            </a:r>
-          </a:p>
-          <a:p>
-            <a:pPr marL="1296000" lvl="2" indent="-287640">
+              <a:t>Evaluation</a:t>
+            </a:r>
+          </a:p>
+          <a:p>
+            <a:pPr marL="864000" lvl="1" indent="-323640">
               <a:lnSpc>
                 <a:spcPct val="100000"/>
               </a:lnSpc>
               <a:spcAft>
-                <a:spcPts val="689"/>
+                <a:spcPts val="918"/>
               </a:spcAft>
               <a:buClr>
                 <a:srgbClr val="000000"/>
               </a:buClr>
-              <a:buSzPct val="45000"/>
-              <a:buFont typeface="Wingdings" charset="2"/>
-              <a:buChar char=""/>
+              <a:buSzPct val="75000"/>
+              <a:buFont typeface="Symbol"/>
+              <a:buChar char=""/>
             </a:pPr>
             <a:r>
-              <a:rPr lang="en-CA" sz="1950" b="0" strike="noStrike" spc="-1" dirty="0">
-                <a:solidFill>
-                  <a:srgbClr val="000000"/>
-                </a:solidFill>
-                <a:uFill>
-                  <a:solidFill>
-                    <a:srgbClr val="FFFFFF"/>
-                  </a:solidFill>
-                </a:uFill>
-                <a:latin typeface="Arial"/>
-              </a:rPr>
-              <a:t>Content that must be covered</a:t>
-            </a:r>
-          </a:p>
-          <a:p>
-            <a:pPr marL="1296000" lvl="2" indent="-287640">
+              <a:rPr lang="en-CA" sz="2280" b="0" strike="noStrike" spc="-1" dirty="0">
+                <a:solidFill>
+                  <a:srgbClr val="000000"/>
+                </a:solidFill>
+                <a:uFill>
+                  <a:solidFill>
+                    <a:srgbClr val="FFFFFF"/>
+                  </a:solidFill>
+                </a:uFill>
+                <a:latin typeface="Arial"/>
+              </a:rPr>
+              <a:t>Attendance and classroom behaviour.</a:t>
+            </a:r>
+          </a:p>
+          <a:p>
+            <a:pPr marL="864000" lvl="1" indent="-323640">
               <a:lnSpc>
                 <a:spcPct val="100000"/>
               </a:lnSpc>
               <a:spcAft>
-                <a:spcPts val="689"/>
+                <a:spcPts val="918"/>
               </a:spcAft>
               <a:buClr>
                 <a:srgbClr val="000000"/>
               </a:buClr>
-              <a:buSzPct val="45000"/>
-              <a:buFont typeface="Wingdings" charset="2"/>
-              <a:buChar char=""/>
+              <a:buSzPct val="75000"/>
+              <a:buFont typeface="Symbol"/>
+              <a:buChar char=""/>
             </a:pPr>
             <a:r>
-              <a:rPr lang="en-CA" sz="1950" b="0" strike="noStrike" spc="-1" dirty="0">
-                <a:solidFill>
-                  <a:srgbClr val="000000"/>
-                </a:solidFill>
-                <a:uFill>
-                  <a:solidFill>
-                    <a:srgbClr val="FFFFFF"/>
-                  </a:solidFill>
-                </a:uFill>
-                <a:latin typeface="Arial"/>
-              </a:rPr>
-              <a:t>How learning is assessed</a:t>
+              <a:rPr lang="en-CA" sz="2280" b="0" strike="noStrike" spc="-1" dirty="0">
+                <a:solidFill>
+                  <a:srgbClr val="000000"/>
+                </a:solidFill>
+                <a:uFill>
+                  <a:solidFill>
+                    <a:srgbClr val="FFFFFF"/>
+                  </a:solidFill>
+                </a:uFill>
+                <a:latin typeface="Arial"/>
+              </a:rPr>
+              <a:t>How to contact your professor</a:t>
+            </a:r>
+          </a:p>
+          <a:p>
+            <a:pPr marL="864000" lvl="1" indent="-323640">
+              <a:lnSpc>
+                <a:spcPct val="100000"/>
+              </a:lnSpc>
+              <a:spcAft>
+                <a:spcPts val="918"/>
+              </a:spcAft>
+              <a:buClr>
+                <a:srgbClr val="000000"/>
+              </a:buClr>
+              <a:buSzPct val="75000"/>
+              <a:buFont typeface="Symbol"/>
+              <a:buChar char=""/>
+            </a:pPr>
+            <a:r>
+              <a:rPr lang="en-CA" sz="2280" b="0" strike="noStrike" spc="-1" dirty="0">
+                <a:solidFill>
+                  <a:srgbClr val="000000"/>
+                </a:solidFill>
+                <a:uFill>
+                  <a:solidFill>
+                    <a:srgbClr val="FFFFFF"/>
+                  </a:solidFill>
+                </a:uFill>
+                <a:latin typeface="Arial"/>
+              </a:rPr>
+              <a:t>Quiz/Test/Exam Policies</a:t>
+            </a:r>
+          </a:p>
+          <a:p>
+            <a:pPr marL="864000" lvl="1" indent="-323640">
+              <a:lnSpc>
+                <a:spcPct val="100000"/>
+              </a:lnSpc>
+              <a:spcAft>
+                <a:spcPts val="918"/>
+              </a:spcAft>
+              <a:buClr>
+                <a:srgbClr val="000000"/>
+              </a:buClr>
+              <a:buSzPct val="75000"/>
+              <a:buFont typeface="Symbol"/>
+              <a:buChar char=""/>
+            </a:pPr>
+            <a:r>
+              <a:rPr lang="en-CA" sz="2280" b="0" strike="noStrike" spc="-1" dirty="0">
+                <a:solidFill>
+                  <a:srgbClr val="000000"/>
+                </a:solidFill>
+                <a:uFill>
+                  <a:solidFill>
+                    <a:srgbClr val="FFFFFF"/>
+                  </a:solidFill>
+                </a:uFill>
+                <a:latin typeface="Arial"/>
+              </a:rPr>
+              <a:t>Late penalties</a:t>
             </a:r>
           </a:p>
         </p:txBody>
@@ -8124,7 +8189,7 @@
       </p:grpSpPr>
       <p:sp>
         <p:nvSpPr>
-          <p:cNvPr id="95" name="CustomShape 1"/>
+          <p:cNvPr id="97" name="CustomShape 1"/>
           <p:cNvSpPr/>
           <p:nvPr/>
         </p:nvSpPr>
@@ -8169,7 +8234,7 @@
                 </a:uFill>
                 <a:latin typeface="Arial"/>
               </a:rPr>
-              <a:t>Course Outline</a:t>
+              <a:t>For Labs</a:t>
             </a:r>
             <a:endParaRPr lang="en-CA" sz="3570" b="0" strike="noStrike" spc="-1">
               <a:solidFill>
@@ -8187,7 +8252,7 @@
       </p:sp>
       <p:sp>
         <p:nvSpPr>
-          <p:cNvPr id="96" name="CustomShape 2"/>
+          <p:cNvPr id="98" name="CustomShape 2"/>
           <p:cNvSpPr/>
           <p:nvPr/>
         </p:nvSpPr>
@@ -8218,7 +8283,7 @@
         </p:style>
         <p:txBody>
           <a:bodyPr lIns="0" tIns="0" rIns="0" bIns="0">
-            <a:normAutofit fontScale="92500" lnSpcReduction="10000"/>
+            <a:normAutofit fontScale="62500" lnSpcReduction="20000"/>
           </a:bodyPr>
           <a:lstStyle/>
           <a:p>
@@ -8237,18 +8302,18 @@
               <a:buChar char=""/>
             </a:pPr>
             <a:r>
-              <a:rPr lang="en-CA" sz="2600" b="0" strike="noStrike" spc="-1" dirty="0">
-                <a:solidFill>
-                  <a:srgbClr val="000000"/>
-                </a:solidFill>
-                <a:uFill>
-                  <a:solidFill>
-                    <a:srgbClr val="FFFFFF"/>
-                  </a:solidFill>
-                </a:uFill>
-                <a:latin typeface="Arial"/>
-              </a:rPr>
-              <a:t>Your instructor will now take some time to show you the course outline and discuss important topics like:</a:t>
+              <a:rPr lang="en-CA" sz="2600" b="0" strike="noStrike" spc="-1">
+                <a:solidFill>
+                  <a:srgbClr val="000000"/>
+                </a:solidFill>
+                <a:uFill>
+                  <a:solidFill>
+                    <a:srgbClr val="FFFFFF"/>
+                  </a:solidFill>
+                </a:uFill>
+                <a:latin typeface="Arial"/>
+              </a:rPr>
+              <a:t>There are minimal materials you are expected to have with you to make proper use of our lab time.</a:t>
             </a:r>
           </a:p>
           <a:p>
@@ -8267,18 +8332,78 @@
               <a:buChar char=""/>
             </a:pPr>
             <a:r>
-              <a:rPr lang="en-CA" sz="2280" b="0" strike="noStrike" spc="-1" dirty="0">
-                <a:solidFill>
-                  <a:srgbClr val="000000"/>
-                </a:solidFill>
-                <a:uFill>
-                  <a:solidFill>
-                    <a:srgbClr val="FFFFFF"/>
-                  </a:solidFill>
-                </a:uFill>
-                <a:latin typeface="Arial"/>
-              </a:rPr>
-              <a:t>Course description</a:t>
+              <a:rPr lang="en-CA" sz="2280" b="0" strike="noStrike" spc="-1">
+                <a:solidFill>
+                  <a:srgbClr val="000000"/>
+                </a:solidFill>
+                <a:uFill>
+                  <a:solidFill>
+                    <a:srgbClr val="FFFFFF"/>
+                  </a:solidFill>
+                </a:uFill>
+                <a:latin typeface="Arial"/>
+              </a:rPr>
+              <a:t>Solid State Drive (SSD)</a:t>
+            </a:r>
+          </a:p>
+          <a:p>
+            <a:pPr marL="1296000" lvl="2" indent="-287640">
+              <a:lnSpc>
+                <a:spcPct val="100000"/>
+              </a:lnSpc>
+              <a:spcAft>
+                <a:spcPts val="689"/>
+              </a:spcAft>
+              <a:buClr>
+                <a:srgbClr val="000000"/>
+              </a:buClr>
+              <a:buSzPct val="45000"/>
+              <a:buFont typeface="Wingdings" charset="2"/>
+              <a:buChar char=""/>
+            </a:pPr>
+            <a:r>
+              <a:rPr lang="en-CA" sz="1950" b="0" strike="noStrike" spc="-1">
+                <a:solidFill>
+                  <a:srgbClr val="000000"/>
+                </a:solidFill>
+                <a:uFill>
+                  <a:solidFill>
+                    <a:srgbClr val="FFFFFF"/>
+                  </a:solidFill>
+                </a:uFill>
+                <a:latin typeface="Arial"/>
+              </a:rPr>
+              <a:t>USB 3.0</a:t>
+            </a:r>
+          </a:p>
+          <a:p>
+            <a:pPr marL="1296000" lvl="2" indent="-287640">
+              <a:lnSpc>
+                <a:spcPct val="100000"/>
+              </a:lnSpc>
+              <a:spcAft>
+                <a:spcPts val="689"/>
+              </a:spcAft>
+              <a:buClr>
+                <a:srgbClr val="000000"/>
+              </a:buClr>
+              <a:buSzPct val="45000"/>
+              <a:buFont typeface="Wingdings" charset="2"/>
+              <a:buChar char=""/>
+            </a:pPr>
+            <a:r>
+              <a:rPr lang="en-CA" sz="1950" b="0" strike="noStrike" spc="-1">
+                <a:solidFill>
+                  <a:srgbClr val="000000"/>
+                </a:solidFill>
+                <a:uFill>
+                  <a:solidFill>
+                    <a:srgbClr val="FFFFFF"/>
+                  </a:solidFill>
+                </a:uFill>
+                <a:latin typeface="Arial"/>
+              </a:rPr>
+              <a:t>Minimum Capacity 240 GB</a:t>
             </a:r>
           </a:p>
           <a:p>
@@ -8297,18 +8422,48 @@
               <a:buChar char=""/>
             </a:pPr>
             <a:r>
-              <a:rPr lang="en-CA" sz="2280" b="0" strike="noStrike" spc="-1" dirty="0">
-                <a:solidFill>
-                  <a:srgbClr val="000000"/>
-                </a:solidFill>
-                <a:uFill>
-                  <a:solidFill>
-                    <a:srgbClr val="FFFFFF"/>
-                  </a:solidFill>
-                </a:uFill>
-                <a:latin typeface="Arial"/>
-              </a:rPr>
-              <a:t>Evaluation</a:t>
+              <a:rPr lang="en-CA" sz="2280" b="0" strike="noStrike" spc="-1">
+                <a:solidFill>
+                  <a:srgbClr val="000000"/>
+                </a:solidFill>
+                <a:uFill>
+                  <a:solidFill>
+                    <a:srgbClr val="FFFFFF"/>
+                  </a:solidFill>
+                </a:uFill>
+                <a:latin typeface="Arial"/>
+              </a:rPr>
+              <a:t>Centos Full Install Image</a:t>
+            </a:r>
+          </a:p>
+          <a:p>
+            <a:pPr marL="1296000" lvl="2" indent="-287640">
+              <a:lnSpc>
+                <a:spcPct val="100000"/>
+              </a:lnSpc>
+              <a:spcAft>
+                <a:spcPts val="689"/>
+              </a:spcAft>
+              <a:buClr>
+                <a:srgbClr val="000000"/>
+              </a:buClr>
+              <a:buSzPct val="45000"/>
+              <a:buFont typeface="Wingdings" charset="2"/>
+              <a:buChar char=""/>
+            </a:pPr>
+            <a:r>
+              <a:rPr lang="en-CA" sz="1950" b="0" strike="noStrike" spc="-1">
+                <a:solidFill>
+                  <a:srgbClr val="000000"/>
+                </a:solidFill>
+                <a:uFill>
+                  <a:solidFill>
+                    <a:srgbClr val="FFFFFF"/>
+                  </a:solidFill>
+                </a:uFill>
+                <a:latin typeface="Arial"/>
+              </a:rPr>
+              <a:t>See the course wiki for a link to the current one.</a:t>
             </a:r>
           </a:p>
           <a:p>
@@ -8327,18 +8482,78 @@
               <a:buChar char=""/>
             </a:pPr>
             <a:r>
-              <a:rPr lang="en-CA" sz="2280" b="0" strike="noStrike" spc="-1" dirty="0">
-                <a:solidFill>
-                  <a:srgbClr val="000000"/>
-                </a:solidFill>
-                <a:uFill>
-                  <a:solidFill>
-                    <a:srgbClr val="FFFFFF"/>
-                  </a:solidFill>
-                </a:uFill>
-                <a:latin typeface="Arial"/>
-              </a:rPr>
-              <a:t>Attendance and classroom behaviour.</a:t>
+              <a:rPr lang="en-CA" sz="2280" b="0" strike="noStrike" spc="-1">
+                <a:solidFill>
+                  <a:srgbClr val="000000"/>
+                </a:solidFill>
+                <a:uFill>
+                  <a:solidFill>
+                    <a:srgbClr val="FFFFFF"/>
+                  </a:solidFill>
+                </a:uFill>
+                <a:latin typeface="Arial"/>
+              </a:rPr>
+              <a:t>USB Flash Drive</a:t>
+            </a:r>
+          </a:p>
+          <a:p>
+            <a:pPr marL="1296000" lvl="2" indent="-287640">
+              <a:lnSpc>
+                <a:spcPct val="100000"/>
+              </a:lnSpc>
+              <a:spcAft>
+                <a:spcPts val="689"/>
+              </a:spcAft>
+              <a:buClr>
+                <a:srgbClr val="000000"/>
+              </a:buClr>
+              <a:buSzPct val="45000"/>
+              <a:buFont typeface="Wingdings" charset="2"/>
+              <a:buChar char=""/>
+            </a:pPr>
+            <a:r>
+              <a:rPr lang="en-CA" sz="1950" b="0" strike="noStrike" spc="-1">
+                <a:solidFill>
+                  <a:srgbClr val="000000"/>
+                </a:solidFill>
+                <a:uFill>
+                  <a:solidFill>
+                    <a:srgbClr val="FFFFFF"/>
+                  </a:solidFill>
+                </a:uFill>
+                <a:latin typeface="Arial"/>
+              </a:rPr>
+              <a:t>USB 3.0</a:t>
+            </a:r>
+          </a:p>
+          <a:p>
+            <a:pPr marL="1296000" lvl="2" indent="-287640">
+              <a:lnSpc>
+                <a:spcPct val="100000"/>
+              </a:lnSpc>
+              <a:spcAft>
+                <a:spcPts val="689"/>
+              </a:spcAft>
+              <a:buClr>
+                <a:srgbClr val="000000"/>
+              </a:buClr>
+              <a:buSzPct val="45000"/>
+              <a:buFont typeface="Wingdings" charset="2"/>
+              <a:buChar char=""/>
+            </a:pPr>
+            <a:r>
+              <a:rPr lang="en-CA" sz="1950" b="0" strike="noStrike" spc="-1">
+                <a:solidFill>
+                  <a:srgbClr val="000000"/>
+                </a:solidFill>
+                <a:uFill>
+                  <a:solidFill>
+                    <a:srgbClr val="FFFFFF"/>
+                  </a:solidFill>
+                </a:uFill>
+                <a:latin typeface="Arial"/>
+              </a:rPr>
+              <a:t>Minimum Capacity 16 GB</a:t>
             </a:r>
           </a:p>
           <a:p>
@@ -8357,78 +8572,78 @@
               <a:buChar char=""/>
             </a:pPr>
             <a:r>
-              <a:rPr lang="en-CA" sz="2280" b="0" strike="noStrike" spc="-1" dirty="0">
-                <a:solidFill>
-                  <a:srgbClr val="000000"/>
-                </a:solidFill>
-                <a:uFill>
-                  <a:solidFill>
-                    <a:srgbClr val="FFFFFF"/>
-                  </a:solidFill>
-                </a:uFill>
-                <a:latin typeface="Arial"/>
-              </a:rPr>
-              <a:t>How to contact your professor</a:t>
-            </a:r>
-          </a:p>
-          <a:p>
-            <a:pPr marL="864000" lvl="1" indent="-323640">
+              <a:rPr lang="en-CA" sz="2280" b="0" strike="noStrike" spc="-1">
+                <a:solidFill>
+                  <a:srgbClr val="000000"/>
+                </a:solidFill>
+                <a:uFill>
+                  <a:solidFill>
+                    <a:srgbClr val="FFFFFF"/>
+                  </a:solidFill>
+                </a:uFill>
+                <a:latin typeface="Arial"/>
+              </a:rPr>
+              <a:t>Lab Log-Book</a:t>
+            </a:r>
+          </a:p>
+          <a:p>
+            <a:pPr marL="1296000" lvl="2" indent="-287640">
               <a:lnSpc>
                 <a:spcPct val="100000"/>
               </a:lnSpc>
               <a:spcAft>
-                <a:spcPts val="918"/>
+                <a:spcPts val="689"/>
               </a:spcAft>
               <a:buClr>
                 <a:srgbClr val="000000"/>
               </a:buClr>
-              <a:buSzPct val="75000"/>
-              <a:buFont typeface="Symbol"/>
-              <a:buChar char=""/>
+              <a:buSzPct val="45000"/>
+              <a:buFont typeface="Wingdings" charset="2"/>
+              <a:buChar char=""/>
             </a:pPr>
             <a:r>
-              <a:rPr lang="en-CA" sz="2280" b="0" strike="noStrike" spc="-1" dirty="0">
-                <a:solidFill>
-                  <a:srgbClr val="000000"/>
-                </a:solidFill>
-                <a:uFill>
-                  <a:solidFill>
-                    <a:srgbClr val="FFFFFF"/>
-                  </a:solidFill>
-                </a:uFill>
-                <a:latin typeface="Arial"/>
-              </a:rPr>
-              <a:t>Quiz/Test/Exam Policies</a:t>
-            </a:r>
-          </a:p>
-          <a:p>
-            <a:pPr marL="864000" lvl="1" indent="-323640">
+              <a:rPr lang="en-CA" sz="1950" b="0" strike="noStrike" spc="-1">
+                <a:solidFill>
+                  <a:srgbClr val="000000"/>
+                </a:solidFill>
+                <a:uFill>
+                  <a:solidFill>
+                    <a:srgbClr val="FFFFFF"/>
+                  </a:solidFill>
+                </a:uFill>
+                <a:latin typeface="Arial"/>
+              </a:rPr>
+              <a:t>For online classes print your own</a:t>
+            </a:r>
+          </a:p>
+          <a:p>
+            <a:pPr marL="1296000" lvl="2" indent="-287640">
               <a:lnSpc>
                 <a:spcPct val="100000"/>
               </a:lnSpc>
               <a:spcAft>
-                <a:spcPts val="918"/>
+                <a:spcPts val="689"/>
               </a:spcAft>
               <a:buClr>
                 <a:srgbClr val="000000"/>
               </a:buClr>
-              <a:buSzPct val="75000"/>
-              <a:buFont typeface="Symbol"/>
-              <a:buChar char=""/>
+              <a:buSzPct val="45000"/>
+              <a:buFont typeface="Wingdings" charset="2"/>
+              <a:buChar char=""/>
             </a:pPr>
             <a:r>
-              <a:rPr lang="en-CA" sz="2280" b="0" strike="noStrike" spc="-1" dirty="0">
-                <a:solidFill>
-                  <a:srgbClr val="000000"/>
-                </a:solidFill>
-                <a:uFill>
-                  <a:solidFill>
-                    <a:srgbClr val="FFFFFF"/>
-                  </a:solidFill>
-                </a:uFill>
-                <a:latin typeface="Arial"/>
-              </a:rPr>
-              <a:t>Late penalties</a:t>
+              <a:rPr lang="en-CA" sz="1950" b="0" strike="noStrike" spc="-1">
+                <a:solidFill>
+                  <a:srgbClr val="000000"/>
+                </a:solidFill>
+                <a:uFill>
+                  <a:solidFill>
+                    <a:srgbClr val="FFFFFF"/>
+                  </a:solidFill>
+                </a:uFill>
+                <a:latin typeface="Arial"/>
+              </a:rPr>
+              <a:t>For in-class your professor will have the print centre print them for you.</a:t>
             </a:r>
           </a:p>
         </p:txBody>
@@ -8916,4 +9131,245 @@
   <a:objectDefaults/>
   <a:extraClrSchemeLst/>
 </a:theme>
+</file>
+
+<file path=customXml/item1.xml><?xml version="1.0" encoding="utf-8"?>
+<?mso-contentType ?>
+<FormTemplates xmlns="http://schemas.microsoft.com/sharepoint/v3/contenttype/forms">
+  <Display>DocumentLibraryForm</Display>
+  <Edit>DocumentLibraryForm</Edit>
+  <New>DocumentLibraryForm</New>
+</FormTemplates>
+</file>
+
+<file path=customXml/item2.xml><?xml version="1.0" encoding="utf-8"?>
+<p:properties xmlns:p="http://schemas.microsoft.com/office/2006/metadata/properties" xmlns:xsi="http://www.w3.org/2001/XMLSchema-instance" xmlns:pc="http://schemas.microsoft.com/office/infopath/2007/PartnerControls">
+  <documentManagement>
+    <lcf76f155ced4ddcb4097134ff3c332f xmlns="c10caacb-b95b-4725-aa24-bc89bdc630be">
+      <Terms xmlns="http://schemas.microsoft.com/office/infopath/2007/PartnerControls"/>
+    </lcf76f155ced4ddcb4097134ff3c332f>
+    <TaxCatchAll xmlns="7127244f-425d-47e9-ac84-f3130e19f0cb" xsi:nil="true"/>
+  </documentManagement>
+</p:properties>
+</file>
+
+<file path=customXml/item3.xml><?xml version="1.0" encoding="utf-8"?>
+<ct:contentTypeSchema xmlns:ct="http://schemas.microsoft.com/office/2006/metadata/contentType" xmlns:ma="http://schemas.microsoft.com/office/2006/metadata/properties/metaAttributes" ct:_="" ma:_="" ma:contentTypeName="Document" ma:contentTypeID="0x010100B163C3818C603C4E8FACEDDCB496AECF" ma:contentTypeVersion="9" ma:contentTypeDescription="Create a new document." ma:contentTypeScope="" ma:versionID="a06f37d012f27ac6faeab03c4b554419">
+  <xsd:schema xmlns:xsd="http://www.w3.org/2001/XMLSchema" xmlns:xs="http://www.w3.org/2001/XMLSchema" xmlns:p="http://schemas.microsoft.com/office/2006/metadata/properties" xmlns:ns2="c10caacb-b95b-4725-aa24-bc89bdc630be" xmlns:ns3="7127244f-425d-47e9-ac84-f3130e19f0cb" targetNamespace="http://schemas.microsoft.com/office/2006/metadata/properties" ma:root="true" ma:fieldsID="e2e4d438ce7bda7458c7c9e4f06908ff" ns2:_="" ns3:_="">
+    <xsd:import namespace="c10caacb-b95b-4725-aa24-bc89bdc630be"/>
+    <xsd:import namespace="7127244f-425d-47e9-ac84-f3130e19f0cb"/>
+    <xsd:element name="properties">
+      <xsd:complexType>
+        <xsd:sequence>
+          <xsd:element name="documentManagement">
+            <xsd:complexType>
+              <xsd:all>
+                <xsd:element ref="ns2:MediaServiceMetadata" minOccurs="0"/>
+                <xsd:element ref="ns2:MediaServiceFastMetadata" minOccurs="0"/>
+                <xsd:element ref="ns2:lcf76f155ced4ddcb4097134ff3c332f" minOccurs="0"/>
+                <xsd:element ref="ns3:TaxCatchAll" minOccurs="0"/>
+                <xsd:element ref="ns2:MediaServiceOCR" minOccurs="0"/>
+                <xsd:element ref="ns2:MediaServiceGenerationTime" minOccurs="0"/>
+                <xsd:element ref="ns2:MediaServiceEventHashCode" minOccurs="0"/>
+                <xsd:element ref="ns2:MediaServiceObjectDetectorVersions" minOccurs="0"/>
+              </xsd:all>
+            </xsd:complexType>
+          </xsd:element>
+        </xsd:sequence>
+      </xsd:complexType>
+    </xsd:element>
+  </xsd:schema>
+  <xsd:schema xmlns:xsd="http://www.w3.org/2001/XMLSchema" xmlns:xs="http://www.w3.org/2001/XMLSchema" xmlns:dms="http://schemas.microsoft.com/office/2006/documentManagement/types" xmlns:pc="http://schemas.microsoft.com/office/infopath/2007/PartnerControls" targetNamespace="c10caacb-b95b-4725-aa24-bc89bdc630be" elementFormDefault="qualified">
+    <xsd:import namespace="http://schemas.microsoft.com/office/2006/documentManagement/types"/>
+    <xsd:import namespace="http://schemas.microsoft.com/office/infopath/2007/PartnerControls"/>
+    <xsd:element name="MediaServiceMetadata" ma:index="8" nillable="true" ma:displayName="MediaServiceMetadata" ma:hidden="true" ma:internalName="MediaServiceMetadata" ma:readOnly="true">
+      <xsd:simpleType>
+        <xsd:restriction base="dms:Note"/>
+      </xsd:simpleType>
+    </xsd:element>
+    <xsd:element name="MediaServiceFastMetadata" ma:index="9" nillable="true" ma:displayName="MediaServiceFastMetadata" ma:hidden="true" ma:internalName="MediaServiceFastMetadata" ma:readOnly="true">
+      <xsd:simpleType>
+        <xsd:restriction base="dms:Note"/>
+      </xsd:simpleType>
+    </xsd:element>
+    <xsd:element name="lcf76f155ced4ddcb4097134ff3c332f" ma:index="11" nillable="true" ma:taxonomy="true" ma:internalName="lcf76f155ced4ddcb4097134ff3c332f" ma:taxonomyFieldName="MediaServiceImageTags" ma:displayName="Image Tags" ma:readOnly="false" ma:fieldId="{5cf76f15-5ced-4ddc-b409-7134ff3c332f}" ma:taxonomyMulti="true" ma:sspId="968e675e-7f51-40c4-b007-fcb928a1bb5b" ma:termSetId="09814cd3-568e-fe90-9814-8d621ff8fb84" ma:anchorId="fba54fb3-c3e1-fe81-a776-ca4b69148c4d" ma:open="true" ma:isKeyword="false">
+      <xsd:complexType>
+        <xsd:sequence>
+          <xsd:element ref="pc:Terms" minOccurs="0" maxOccurs="1"/>
+        </xsd:sequence>
+      </xsd:complexType>
+    </xsd:element>
+    <xsd:element name="MediaServiceOCR" ma:index="13" nillable="true" ma:displayName="Extracted Text" ma:internalName="MediaServiceOCR" ma:readOnly="true">
+      <xsd:simpleType>
+        <xsd:restriction base="dms:Note">
+          <xsd:maxLength value="255"/>
+        </xsd:restriction>
+      </xsd:simpleType>
+    </xsd:element>
+    <xsd:element name="MediaServiceGenerationTime" ma:index="14" nillable="true" ma:displayName="MediaServiceGenerationTime" ma:hidden="true" ma:internalName="MediaServiceGenerationTime" ma:readOnly="true">
+      <xsd:simpleType>
+        <xsd:restriction base="dms:Text"/>
+      </xsd:simpleType>
+    </xsd:element>
+    <xsd:element name="MediaServiceEventHashCode" ma:index="15" nillable="true" ma:displayName="MediaServiceEventHashCode" ma:hidden="true" ma:internalName="MediaServiceEventHashCode" ma:readOnly="true">
+      <xsd:simpleType>
+        <xsd:restriction base="dms:Text"/>
+      </xsd:simpleType>
+    </xsd:element>
+    <xsd:element name="MediaServiceObjectDetectorVersions" ma:index="16" nillable="true" ma:displayName="MediaServiceObjectDetectorVersions" ma:hidden="true" ma:indexed="true" ma:internalName="MediaServiceObjectDetectorVersions" ma:readOnly="true">
+      <xsd:simpleType>
+        <xsd:restriction base="dms:Text"/>
+      </xsd:simpleType>
+    </xsd:element>
+  </xsd:schema>
+  <xsd:schema xmlns:xsd="http://www.w3.org/2001/XMLSchema" xmlns:xs="http://www.w3.org/2001/XMLSchema" xmlns:dms="http://schemas.microsoft.com/office/2006/documentManagement/types" xmlns:pc="http://schemas.microsoft.com/office/infopath/2007/PartnerControls" targetNamespace="7127244f-425d-47e9-ac84-f3130e19f0cb" elementFormDefault="qualified">
+    <xsd:import namespace="http://schemas.microsoft.com/office/2006/documentManagement/types"/>
+    <xsd:import namespace="http://schemas.microsoft.com/office/infopath/2007/PartnerControls"/>
+    <xsd:element name="TaxCatchAll" ma:index="12" nillable="true" ma:displayName="Taxonomy Catch All Column" ma:hidden="true" ma:list="{e99bf807-153c-4f33-8b51-d0637107e922}" ma:internalName="TaxCatchAll" ma:showField="CatchAllData" ma:web="7127244f-425d-47e9-ac84-f3130e19f0cb">
+      <xsd:complexType>
+        <xsd:complexContent>
+          <xsd:extension base="dms:MultiChoiceLookup">
+            <xsd:sequence>
+              <xsd:element name="Value" type="dms:Lookup" maxOccurs="unbounded" minOccurs="0" nillable="true"/>
+            </xsd:sequence>
+          </xsd:extension>
+        </xsd:complexContent>
+      </xsd:complexType>
+    </xsd:element>
+  </xsd:schema>
+  <xsd:schema xmlns="http://schemas.openxmlformats.org/package/2006/metadata/core-properties" xmlns:xsd="http://www.w3.org/2001/XMLSchema" xmlns:xsi="http://www.w3.org/2001/XMLSchema-instance" xmlns:dc="http://purl.org/dc/elements/1.1/" xmlns:dcterms="http://purl.org/dc/terms/" xmlns:odoc="http://schemas.microsoft.com/internal/obd" targetNamespace="http://schemas.openxmlformats.org/package/2006/metadata/core-properties" elementFormDefault="qualified" attributeFormDefault="unqualified" blockDefault="#all">
+    <xsd:import namespace="http://purl.org/dc/elements/1.1/" schemaLocation="http://dublincore.org/schemas/xmls/qdc/2003/04/02/dc.xsd"/>
+    <xsd:import namespace="http://purl.org/dc/terms/" schemaLocation="http://dublincore.org/schemas/xmls/qdc/2003/04/02/dcterms.xsd"/>
+    <xsd:element name="coreProperties" type="CT_coreProperties"/>
+    <xsd:complexType name="CT_coreProperties">
+      <xsd:all>
+        <xsd:element ref="dc:creator" minOccurs="0" maxOccurs="1"/>
+        <xsd:element ref="dcterms:created" minOccurs="0" maxOccurs="1"/>
+        <xsd:element ref="dc:identifier" minOccurs="0" maxOccurs="1"/>
+        <xsd:element name="contentType" minOccurs="0" maxOccurs="1" type="xsd:string" ma:index="0" ma:displayName="Content Type"/>
+        <xsd:element ref="dc:title" minOccurs="0" maxOccurs="1" ma:index="4" ma:displayName="Title"/>
+        <xsd:element ref="dc:subject" minOccurs="0" maxOccurs="1"/>
+        <xsd:element ref="dc:description" minOccurs="0" maxOccurs="1"/>
+        <xsd:element name="keywords" minOccurs="0" maxOccurs="1" type="xsd:string"/>
+        <xsd:element ref="dc:language" minOccurs="0" maxOccurs="1"/>
+        <xsd:element name="category" minOccurs="0" maxOccurs="1" type="xsd:string"/>
+        <xsd:element name="version" minOccurs="0" maxOccurs="1" type="xsd:string"/>
+        <xsd:element name="revision" minOccurs="0" maxOccurs="1" type="xsd:string">
+          <xsd:annotation>
+            <xsd:documentation>
+                        This value indicates the number of saves or revisions. The application is responsible for updating this value after each revision.
+                    </xsd:documentation>
+          </xsd:annotation>
+        </xsd:element>
+        <xsd:element name="lastModifiedBy" minOccurs="0" maxOccurs="1" type="xsd:string"/>
+        <xsd:element ref="dcterms:modified" minOccurs="0" maxOccurs="1"/>
+        <xsd:element name="contentStatus" minOccurs="0" maxOccurs="1" type="xsd:string"/>
+      </xsd:all>
+    </xsd:complexType>
+  </xsd:schema>
+  <xs:schema xmlns:pc="http://schemas.microsoft.com/office/infopath/2007/PartnerControls" xmlns:xs="http://www.w3.org/2001/XMLSchema" targetNamespace="http://schemas.microsoft.com/office/infopath/2007/PartnerControls" elementFormDefault="qualified" attributeFormDefault="unqualified">
+    <xs:element name="Person">
+      <xs:complexType>
+        <xs:sequence>
+          <xs:element ref="pc:DisplayName" minOccurs="0"/>
+          <xs:element ref="pc:AccountId" minOccurs="0"/>
+          <xs:element ref="pc:AccountType" minOccurs="0"/>
+        </xs:sequence>
+      </xs:complexType>
+    </xs:element>
+    <xs:element name="DisplayName" type="xs:string"/>
+    <xs:element name="AccountId" type="xs:string"/>
+    <xs:element name="AccountType" type="xs:string"/>
+    <xs:element name="BDCAssociatedEntity">
+      <xs:complexType>
+        <xs:sequence>
+          <xs:element ref="pc:BDCEntity" minOccurs="0" maxOccurs="unbounded"/>
+        </xs:sequence>
+        <xs:attribute ref="pc:EntityNamespace"/>
+        <xs:attribute ref="pc:EntityName"/>
+        <xs:attribute ref="pc:SystemInstanceName"/>
+        <xs:attribute ref="pc:AssociationName"/>
+      </xs:complexType>
+    </xs:element>
+    <xs:attribute name="EntityNamespace" type="xs:string"/>
+    <xs:attribute name="EntityName" type="xs:string"/>
+    <xs:attribute name="SystemInstanceName" type="xs:string"/>
+    <xs:attribute name="AssociationName" type="xs:string"/>
+    <xs:element name="BDCEntity">
+      <xs:complexType>
+        <xs:sequence>
+          <xs:element ref="pc:EntityDisplayName" minOccurs="0"/>
+          <xs:element ref="pc:EntityInstanceReference" minOccurs="0"/>
+          <xs:element ref="pc:EntityId1" minOccurs="0"/>
+          <xs:element ref="pc:EntityId2" minOccurs="0"/>
+          <xs:element ref="pc:EntityId3" minOccurs="0"/>
+          <xs:element ref="pc:EntityId4" minOccurs="0"/>
+          <xs:element ref="pc:EntityId5" minOccurs="0"/>
+        </xs:sequence>
+      </xs:complexType>
+    </xs:element>
+    <xs:element name="EntityDisplayName" type="xs:string"/>
+    <xs:element name="EntityInstanceReference" type="xs:string"/>
+    <xs:element name="EntityId1" type="xs:string"/>
+    <xs:element name="EntityId2" type="xs:string"/>
+    <xs:element name="EntityId3" type="xs:string"/>
+    <xs:element name="EntityId4" type="xs:string"/>
+    <xs:element name="EntityId5" type="xs:string"/>
+    <xs:element name="Terms">
+      <xs:complexType>
+        <xs:sequence>
+          <xs:element ref="pc:TermInfo" minOccurs="0" maxOccurs="unbounded"/>
+        </xs:sequence>
+      </xs:complexType>
+    </xs:element>
+    <xs:element name="TermInfo">
+      <xs:complexType>
+        <xs:sequence>
+          <xs:element ref="pc:TermName" minOccurs="0"/>
+          <xs:element ref="pc:TermId" minOccurs="0"/>
+        </xs:sequence>
+      </xs:complexType>
+    </xs:element>
+    <xs:element name="TermName" type="xs:string"/>
+    <xs:element name="TermId" type="xs:string"/>
+  </xs:schema>
+</ct:contentTypeSchema>
+</file>
+
+<file path=customXml/itemProps1.xml><?xml version="1.0" encoding="utf-8"?>
+<ds:datastoreItem xmlns:ds="http://schemas.openxmlformats.org/officeDocument/2006/customXml" ds:itemID="{8C1755FF-7FF8-4A01-91E4-C1036C00FC3F}">
+  <ds:schemaRefs>
+    <ds:schemaRef ds:uri="http://schemas.microsoft.com/sharepoint/v3/contenttype/forms"/>
+  </ds:schemaRefs>
+</ds:datastoreItem>
+</file>
+
+<file path=customXml/itemProps2.xml><?xml version="1.0" encoding="utf-8"?>
+<ds:datastoreItem xmlns:ds="http://schemas.openxmlformats.org/officeDocument/2006/customXml" ds:itemID="{E3BEBD56-3D05-4362-BAC5-503E15EAA680}">
+  <ds:schemaRefs>
+    <ds:schemaRef ds:uri="http://schemas.microsoft.com/office/2006/metadata/properties"/>
+    <ds:schemaRef ds:uri="http://schemas.microsoft.com/office/infopath/2007/PartnerControls"/>
+    <ds:schemaRef ds:uri="c10caacb-b95b-4725-aa24-bc89bdc630be"/>
+    <ds:schemaRef ds:uri="7127244f-425d-47e9-ac84-f3130e19f0cb"/>
+  </ds:schemaRefs>
+</ds:datastoreItem>
+</file>
+
+<file path=customXml/itemProps3.xml><?xml version="1.0" encoding="utf-8"?>
+<ds:datastoreItem xmlns:ds="http://schemas.openxmlformats.org/officeDocument/2006/customXml" ds:itemID="{9FB68D1A-AF6D-45FE-806D-74A02E1DB73E}">
+  <ds:schemaRefs>
+    <ds:schemaRef ds:uri="http://schemas.microsoft.com/office/2006/metadata/contentType"/>
+    <ds:schemaRef ds:uri="http://schemas.microsoft.com/office/2006/metadata/properties/metaAttributes"/>
+    <ds:schemaRef ds:uri="http://www.w3.org/2001/XMLSchema"/>
+    <ds:schemaRef ds:uri="http://schemas.microsoft.com/office/2006/metadata/properties"/>
+    <ds:schemaRef ds:uri="c10caacb-b95b-4725-aa24-bc89bdc630be"/>
+    <ds:schemaRef ds:uri="7127244f-425d-47e9-ac84-f3130e19f0cb"/>
+    <ds:schemaRef ds:uri="http://schemas.microsoft.com/office/2006/documentManagement/types"/>
+    <ds:schemaRef ds:uri="http://schemas.microsoft.com/office/infopath/2007/PartnerControls"/>
+    <ds:schemaRef ds:uri="http://schemas.openxmlformats.org/package/2006/metadata/core-properties"/>
+    <ds:schemaRef ds:uri="http://purl.org/dc/elements/1.1/"/>
+    <ds:schemaRef ds:uri="http://purl.org/dc/terms/"/>
+    <ds:schemaRef ds:uri="http://schemas.microsoft.com/internal/obd"/>
+  </ds:schemaRefs>
+</ds:datastoreItem>
 </file>